--- a/React-Redux.pptx
+++ b/React-Redux.pptx
@@ -6,15 +6,16 @@
   </p:sldMasterIdLst>
   <p:sldIdLst>
     <p:sldId id="256" r:id="rId2"/>
-    <p:sldId id="265" r:id="rId3"/>
+    <p:sldId id="266" r:id="rId3"/>
     <p:sldId id="257" r:id="rId4"/>
-    <p:sldId id="258" r:id="rId5"/>
-    <p:sldId id="259" r:id="rId6"/>
-    <p:sldId id="260" r:id="rId7"/>
-    <p:sldId id="261" r:id="rId8"/>
-    <p:sldId id="262" r:id="rId9"/>
-    <p:sldId id="263" r:id="rId10"/>
-    <p:sldId id="264" r:id="rId11"/>
+    <p:sldId id="259" r:id="rId5"/>
+    <p:sldId id="260" r:id="rId6"/>
+    <p:sldId id="262" r:id="rId7"/>
+    <p:sldId id="263" r:id="rId8"/>
+    <p:sldId id="264" r:id="rId9"/>
+    <p:sldId id="265" r:id="rId10"/>
+    <p:sldId id="267" r:id="rId11"/>
+    <p:sldId id="268" r:id="rId12"/>
   </p:sldIdLst>
   <p:sldSz cx="9144000" cy="6858000" type="screen4x3"/>
   <p:notesSz cx="6858000" cy="9144000"/>
@@ -298,7 +299,7 @@
             <a:fld id="{084C00EA-577B-462C-86DA-F997738731A0}" type="datetimeFigureOut">
               <a:rPr lang="en-US" smtClean="0"/>
               <a:pPr/>
-              <a:t>7/13/2016</a:t>
+              <a:t>7/21/2016</a:t>
             </a:fld>
             <a:endParaRPr lang="en-US"/>
           </a:p>
@@ -465,7 +466,7 @@
             <a:fld id="{084C00EA-577B-462C-86DA-F997738731A0}" type="datetimeFigureOut">
               <a:rPr lang="en-US" smtClean="0"/>
               <a:pPr/>
-              <a:t>7/13/2016</a:t>
+              <a:t>7/21/2016</a:t>
             </a:fld>
             <a:endParaRPr lang="en-US"/>
           </a:p>
@@ -642,7 +643,7 @@
             <a:fld id="{084C00EA-577B-462C-86DA-F997738731A0}" type="datetimeFigureOut">
               <a:rPr lang="en-US" smtClean="0"/>
               <a:pPr/>
-              <a:t>7/13/2016</a:t>
+              <a:t>7/21/2016</a:t>
             </a:fld>
             <a:endParaRPr lang="en-US"/>
           </a:p>
@@ -809,7 +810,7 @@
             <a:fld id="{084C00EA-577B-462C-86DA-F997738731A0}" type="datetimeFigureOut">
               <a:rPr lang="en-US" smtClean="0"/>
               <a:pPr/>
-              <a:t>7/13/2016</a:t>
+              <a:t>7/21/2016</a:t>
             </a:fld>
             <a:endParaRPr lang="en-US"/>
           </a:p>
@@ -1052,7 +1053,7 @@
             <a:fld id="{084C00EA-577B-462C-86DA-F997738731A0}" type="datetimeFigureOut">
               <a:rPr lang="en-US" smtClean="0"/>
               <a:pPr/>
-              <a:t>7/13/2016</a:t>
+              <a:t>7/21/2016</a:t>
             </a:fld>
             <a:endParaRPr lang="en-US"/>
           </a:p>
@@ -1337,7 +1338,7 @@
             <a:fld id="{084C00EA-577B-462C-86DA-F997738731A0}" type="datetimeFigureOut">
               <a:rPr lang="en-US" smtClean="0"/>
               <a:pPr/>
-              <a:t>7/13/2016</a:t>
+              <a:t>7/21/2016</a:t>
             </a:fld>
             <a:endParaRPr lang="en-US"/>
           </a:p>
@@ -1756,7 +1757,7 @@
             <a:fld id="{084C00EA-577B-462C-86DA-F997738731A0}" type="datetimeFigureOut">
               <a:rPr lang="en-US" smtClean="0"/>
               <a:pPr/>
-              <a:t>7/13/2016</a:t>
+              <a:t>7/21/2016</a:t>
             </a:fld>
             <a:endParaRPr lang="en-US"/>
           </a:p>
@@ -1871,7 +1872,7 @@
             <a:fld id="{084C00EA-577B-462C-86DA-F997738731A0}" type="datetimeFigureOut">
               <a:rPr lang="en-US" smtClean="0"/>
               <a:pPr/>
-              <a:t>7/13/2016</a:t>
+              <a:t>7/21/2016</a:t>
             </a:fld>
             <a:endParaRPr lang="en-US"/>
           </a:p>
@@ -1963,7 +1964,7 @@
             <a:fld id="{084C00EA-577B-462C-86DA-F997738731A0}" type="datetimeFigureOut">
               <a:rPr lang="en-US" smtClean="0"/>
               <a:pPr/>
-              <a:t>7/13/2016</a:t>
+              <a:t>7/21/2016</a:t>
             </a:fld>
             <a:endParaRPr lang="en-US"/>
           </a:p>
@@ -2237,7 +2238,7 @@
             <a:fld id="{084C00EA-577B-462C-86DA-F997738731A0}" type="datetimeFigureOut">
               <a:rPr lang="en-US" smtClean="0"/>
               <a:pPr/>
-              <a:t>7/13/2016</a:t>
+              <a:t>7/21/2016</a:t>
             </a:fld>
             <a:endParaRPr lang="en-US"/>
           </a:p>
@@ -2487,7 +2488,7 @@
             <a:fld id="{084C00EA-577B-462C-86DA-F997738731A0}" type="datetimeFigureOut">
               <a:rPr lang="en-US" smtClean="0"/>
               <a:pPr/>
-              <a:t>7/13/2016</a:t>
+              <a:t>7/21/2016</a:t>
             </a:fld>
             <a:endParaRPr lang="en-US"/>
           </a:p>
@@ -2697,7 +2698,7 @@
             <a:fld id="{084C00EA-577B-462C-86DA-F997738731A0}" type="datetimeFigureOut">
               <a:rPr lang="en-US" smtClean="0"/>
               <a:pPr/>
-              <a:t>7/13/2016</a:t>
+              <a:t>7/21/2016</a:t>
             </a:fld>
             <a:endParaRPr lang="en-US"/>
           </a:p>
@@ -3084,10 +3085,24 @@
           <a:lstStyle/>
           <a:p>
             <a:r>
-              <a:rPr lang="en-US" dirty="0" err="1" smtClean="0"/>
-              <a:t>ReactJs-Redux</a:t>
-            </a:r>
-            <a:endParaRPr lang="en-US" dirty="0"/>
+              <a:rPr lang="en-US" dirty="0" err="1" smtClean="0">
+                <a:solidFill>
+                  <a:schemeClr val="tx2">
+                    <a:lumMod val="60000"/>
+                    <a:lumOff val="40000"/>
+                  </a:schemeClr>
+                </a:solidFill>
+              </a:rPr>
+              <a:t>ReactJS-Redux</a:t>
+            </a:r>
+            <a:endParaRPr lang="en-US" dirty="0">
+              <a:solidFill>
+                <a:schemeClr val="tx2">
+                  <a:lumMod val="60000"/>
+                  <a:lumOff val="40000"/>
+                </a:schemeClr>
+              </a:solidFill>
+            </a:endParaRPr>
           </a:p>
         </p:txBody>
       </p:sp>
@@ -3096,6 +3111,13 @@
   <p:clrMapOvr>
     <a:masterClrMapping/>
   </p:clrMapOvr>
+  <p:timing>
+    <p:tnLst>
+      <p:par>
+        <p:cTn id="1" dur="indefinite" restart="never" nodeType="tmRoot"/>
+      </p:par>
+    </p:tnLst>
+  </p:timing>
 </p:sld>
 </file>
 
@@ -3118,14 +3140,14 @@
       </p:grpSpPr>
       <p:pic>
         <p:nvPicPr>
-          <p:cNvPr id="4098" name="Picture 2"/>
+          <p:cNvPr id="3074" name="Picture 2"/>
           <p:cNvPicPr>
             <a:picLocks noChangeAspect="1" noChangeArrowheads="1"/>
           </p:cNvPicPr>
           <p:nvPr/>
         </p:nvPicPr>
         <p:blipFill>
-          <a:blip r:embed="rId2"/>
+          <a:blip r:embed="rId2" cstate="print"/>
           <a:srcRect/>
           <a:stretch>
             <a:fillRect/>
@@ -3133,8 +3155,222 @@
         </p:blipFill>
         <p:spPr bwMode="auto">
           <a:xfrm>
-            <a:off x="0" y="1524000"/>
-            <a:ext cx="9144000" cy="3876675"/>
+            <a:off x="657480" y="1676400"/>
+            <a:ext cx="6505320" cy="3505200"/>
+          </a:xfrm>
+          <a:prstGeom prst="rect">
+            <a:avLst/>
+          </a:prstGeom>
+          <a:noFill/>
+          <a:ln w="9525">
+            <a:noFill/>
+            <a:miter lim="800000"/>
+            <a:headEnd/>
+            <a:tailEnd/>
+          </a:ln>
+        </p:spPr>
+      </p:pic>
+      <p:sp>
+        <p:nvSpPr>
+          <p:cNvPr id="5" name="Title 1"/>
+          <p:cNvSpPr>
+            <a:spLocks noGrp="1"/>
+          </p:cNvSpPr>
+          <p:nvPr>
+            <p:ph type="title"/>
+          </p:nvPr>
+        </p:nvSpPr>
+        <p:spPr>
+          <a:xfrm>
+            <a:off x="76200" y="350838"/>
+            <a:ext cx="9144000" cy="563562"/>
+          </a:xfrm>
+        </p:spPr>
+        <p:txBody>
+          <a:bodyPr>
+            <a:noAutofit/>
+          </a:bodyPr>
+          <a:lstStyle/>
+          <a:p>
+            <a:pPr lvl="1" algn="ctr" rtl="0">
+              <a:spcBef>
+                <a:spcPct val="0"/>
+              </a:spcBef>
+            </a:pPr>
+            <a:r>
+              <a:rPr lang="en-US" dirty="0" smtClean="0">
+                <a:solidFill>
+                  <a:schemeClr val="tx2">
+                    <a:lumMod val="60000"/>
+                    <a:lumOff val="40000"/>
+                  </a:schemeClr>
+                </a:solidFill>
+              </a:rPr>
+              <a:t/>
+            </a:r>
+            <a:br>
+              <a:rPr lang="en-US" dirty="0" smtClean="0">
+                <a:solidFill>
+                  <a:schemeClr val="tx2">
+                    <a:lumMod val="60000"/>
+                    <a:lumOff val="40000"/>
+                  </a:schemeClr>
+                </a:solidFill>
+              </a:rPr>
+            </a:br>
+            <a:r>
+              <a:rPr lang="en-US" sz="2000" kern="1200" dirty="0" err="1" smtClean="0">
+                <a:solidFill>
+                  <a:schemeClr val="tx2">
+                    <a:lumMod val="60000"/>
+                    <a:lumOff val="40000"/>
+                  </a:schemeClr>
+                </a:solidFill>
+                <a:latin typeface="Times New Roman" pitchFamily="18" charset="0"/>
+                <a:ea typeface="+mj-ea"/>
+                <a:cs typeface="Times New Roman" pitchFamily="18" charset="0"/>
+              </a:rPr>
+              <a:t>Redux</a:t>
+            </a:r>
+            <a:r>
+              <a:rPr lang="en-US" sz="2000" kern="1200" dirty="0" smtClean="0">
+                <a:solidFill>
+                  <a:schemeClr val="tx2">
+                    <a:lumMod val="60000"/>
+                    <a:lumOff val="40000"/>
+                  </a:schemeClr>
+                </a:solidFill>
+                <a:latin typeface="Times New Roman" pitchFamily="18" charset="0"/>
+                <a:ea typeface="+mj-ea"/>
+                <a:cs typeface="Times New Roman" pitchFamily="18" charset="0"/>
+              </a:rPr>
+              <a:t> Architecture </a:t>
+            </a:r>
+            <a:r>
+              <a:rPr lang="en-US" dirty="0" smtClean="0">
+                <a:solidFill>
+                  <a:schemeClr val="tx2">
+                    <a:lumMod val="60000"/>
+                    <a:lumOff val="40000"/>
+                  </a:schemeClr>
+                </a:solidFill>
+              </a:rPr>
+              <a:t> 	 </a:t>
+            </a:r>
+            <a:br>
+              <a:rPr lang="en-US" dirty="0" smtClean="0">
+                <a:solidFill>
+                  <a:schemeClr val="tx2">
+                    <a:lumMod val="60000"/>
+                    <a:lumOff val="40000"/>
+                  </a:schemeClr>
+                </a:solidFill>
+              </a:rPr>
+            </a:br>
+            <a:endParaRPr lang="en-US" dirty="0" smtClean="0">
+              <a:solidFill>
+                <a:schemeClr val="tx2">
+                  <a:lumMod val="60000"/>
+                  <a:lumOff val="40000"/>
+                </a:schemeClr>
+              </a:solidFill>
+            </a:endParaRPr>
+          </a:p>
+        </p:txBody>
+      </p:sp>
+      <p:pic>
+        <p:nvPicPr>
+          <p:cNvPr id="6" name="Picture 3" descr="T:\Commercial\IT\Team SLK\Prince\AnjularJS\react.png"/>
+          <p:cNvPicPr>
+            <a:picLocks noChangeAspect="1" noChangeArrowheads="1"/>
+          </p:cNvPicPr>
+          <p:nvPr/>
+        </p:nvPicPr>
+        <p:blipFill>
+          <a:blip r:embed="rId3" cstate="print"/>
+          <a:srcRect/>
+          <a:stretch>
+            <a:fillRect/>
+          </a:stretch>
+        </p:blipFill>
+        <p:spPr bwMode="auto">
+          <a:xfrm>
+            <a:off x="8534401" y="268515"/>
+            <a:ext cx="609599" cy="493485"/>
+          </a:xfrm>
+          <a:prstGeom prst="rect">
+            <a:avLst/>
+          </a:prstGeom>
+          <a:noFill/>
+        </p:spPr>
+      </p:pic>
+      <p:cxnSp>
+        <p:nvCxnSpPr>
+          <p:cNvPr id="8" name="Straight Connector 7"/>
+          <p:cNvCxnSpPr/>
+          <p:nvPr/>
+        </p:nvCxnSpPr>
+        <p:spPr>
+          <a:xfrm>
+            <a:off x="0" y="838200"/>
+            <a:ext cx="9144000" cy="0"/>
+          </a:xfrm>
+          <a:prstGeom prst="line">
+            <a:avLst/>
+          </a:prstGeom>
+        </p:spPr>
+        <p:style>
+          <a:lnRef idx="1">
+            <a:schemeClr val="accent1"/>
+          </a:lnRef>
+          <a:fillRef idx="0">
+            <a:schemeClr val="accent1"/>
+          </a:fillRef>
+          <a:effectRef idx="0">
+            <a:schemeClr val="accent1"/>
+          </a:effectRef>
+          <a:fontRef idx="minor">
+            <a:schemeClr val="tx1"/>
+          </a:fontRef>
+        </p:style>
+      </p:cxnSp>
+    </p:spTree>
+  </p:cSld>
+  <p:clrMapOvr>
+    <a:masterClrMapping/>
+  </p:clrMapOvr>
+</p:sld>
+</file>
+
+<file path=ppt/slides/slide11.xml><?xml version="1.0" encoding="utf-8"?>
+<p:sld xmlns:a="http://schemas.openxmlformats.org/drawingml/2006/main" xmlns:r="http://schemas.openxmlformats.org/officeDocument/2006/relationships" xmlns:p="http://schemas.openxmlformats.org/presentationml/2006/main">
+  <p:cSld>
+    <p:spTree>
+      <p:nvGrpSpPr>
+        <p:cNvPr id="1" name=""/>
+        <p:cNvGrpSpPr/>
+        <p:nvPr/>
+      </p:nvGrpSpPr>
+      <p:grpSpPr>
+        <a:xfrm>
+          <a:off x="0" y="0"/>
+          <a:ext cx="0" cy="0"/>
+          <a:chOff x="0" y="0"/>
+          <a:chExt cx="0" cy="0"/>
+        </a:xfrm>
+      </p:grpSpPr>
+      <p:sp>
+        <p:nvSpPr>
+          <p:cNvPr id="1026" name="Rectangle 2"/>
+          <p:cNvSpPr>
+            <a:spLocks noChangeArrowheads="1"/>
+          </p:cNvSpPr>
+          <p:nvPr/>
+        </p:nvSpPr>
+        <p:spPr bwMode="auto">
+          <a:xfrm>
+            <a:off x="0" y="0"/>
+            <a:ext cx="9144000" cy="0"/>
           </a:xfrm>
           <a:prstGeom prst="rect">
             <a:avLst/>
@@ -3148,7 +3384,203 @@
           </a:ln>
           <a:effectLst/>
         </p:spPr>
+        <p:txBody>
+          <a:bodyPr vert="horz" wrap="none" lIns="91440" tIns="45720" rIns="91440" bIns="45720" numCol="1" anchor="ctr" anchorCtr="0" compatLnSpc="1">
+            <a:prstTxWarp prst="textNoShape">
+              <a:avLst/>
+            </a:prstTxWarp>
+            <a:spAutoFit/>
+          </a:bodyPr>
+          <a:lstStyle/>
+          <a:p>
+            <a:endParaRPr lang="en-US"/>
+          </a:p>
+        </p:txBody>
+      </p:sp>
+      <p:graphicFrame>
+        <p:nvGraphicFramePr>
+          <p:cNvPr id="1025" name="Object 1"/>
+          <p:cNvGraphicFramePr>
+            <a:graphicFrameLocks noChangeAspect="1"/>
+          </p:cNvGraphicFramePr>
+          <p:nvPr/>
+        </p:nvGraphicFramePr>
+        <p:xfrm>
+          <a:off x="304800" y="762000"/>
+          <a:ext cx="8534400" cy="5791200"/>
+        </p:xfrm>
+        <a:graphic>
+          <a:graphicData uri="http://schemas.openxmlformats.org/presentationml/2006/ole">
+            <p:oleObj spid="_x0000_s1025" r:id="rId3" imgW="7534275" imgH="4791075" progId="">
+              <p:embed/>
+            </p:oleObj>
+          </a:graphicData>
+        </a:graphic>
+      </p:graphicFrame>
+      <p:sp>
+        <p:nvSpPr>
+          <p:cNvPr id="6" name="Title 1"/>
+          <p:cNvSpPr>
+            <a:spLocks noGrp="1"/>
+          </p:cNvSpPr>
+          <p:nvPr>
+            <p:ph type="title"/>
+          </p:nvPr>
+        </p:nvSpPr>
+        <p:spPr>
+          <a:xfrm>
+            <a:off x="0" y="76200"/>
+            <a:ext cx="9144000" cy="563562"/>
+          </a:xfrm>
+        </p:spPr>
+        <p:txBody>
+          <a:bodyPr>
+            <a:noAutofit/>
+          </a:bodyPr>
+          <a:lstStyle/>
+          <a:p>
+            <a:pPr lvl="1" algn="ctr" rtl="0">
+              <a:spcBef>
+                <a:spcPct val="0"/>
+              </a:spcBef>
+            </a:pPr>
+            <a:r>
+              <a:rPr lang="en-US" dirty="0" smtClean="0">
+                <a:solidFill>
+                  <a:schemeClr val="tx2">
+                    <a:lumMod val="60000"/>
+                    <a:lumOff val="40000"/>
+                  </a:schemeClr>
+                </a:solidFill>
+              </a:rPr>
+              <a:t/>
+            </a:r>
+            <a:br>
+              <a:rPr lang="en-US" dirty="0" smtClean="0">
+                <a:solidFill>
+                  <a:schemeClr val="tx2">
+                    <a:lumMod val="60000"/>
+                    <a:lumOff val="40000"/>
+                  </a:schemeClr>
+                </a:solidFill>
+              </a:rPr>
+            </a:br>
+            <a:r>
+              <a:rPr lang="en-US" sz="2000" kern="1200" dirty="0" err="1" smtClean="0">
+                <a:solidFill>
+                  <a:schemeClr val="tx2">
+                    <a:lumMod val="60000"/>
+                    <a:lumOff val="40000"/>
+                  </a:schemeClr>
+                </a:solidFill>
+                <a:latin typeface="Times New Roman" pitchFamily="18" charset="0"/>
+                <a:ea typeface="+mj-ea"/>
+                <a:cs typeface="Times New Roman" pitchFamily="18" charset="0"/>
+              </a:rPr>
+              <a:t>Redux</a:t>
+            </a:r>
+            <a:r>
+              <a:rPr lang="en-US" sz="2000" kern="1200" dirty="0" smtClean="0">
+                <a:solidFill>
+                  <a:schemeClr val="tx2">
+                    <a:lumMod val="60000"/>
+                    <a:lumOff val="40000"/>
+                  </a:schemeClr>
+                </a:solidFill>
+                <a:latin typeface="Times New Roman" pitchFamily="18" charset="0"/>
+                <a:ea typeface="+mj-ea"/>
+                <a:cs typeface="Times New Roman" pitchFamily="18" charset="0"/>
+              </a:rPr>
+              <a:t> Architecture - Detail</a:t>
+            </a:r>
+            <a:r>
+              <a:rPr lang="en-US" dirty="0" smtClean="0">
+                <a:solidFill>
+                  <a:schemeClr val="tx2">
+                    <a:lumMod val="60000"/>
+                    <a:lumOff val="40000"/>
+                  </a:schemeClr>
+                </a:solidFill>
+              </a:rPr>
+              <a:t> 	 </a:t>
+            </a:r>
+            <a:br>
+              <a:rPr lang="en-US" dirty="0" smtClean="0">
+                <a:solidFill>
+                  <a:schemeClr val="tx2">
+                    <a:lumMod val="60000"/>
+                    <a:lumOff val="40000"/>
+                  </a:schemeClr>
+                </a:solidFill>
+              </a:rPr>
+            </a:br>
+            <a:endParaRPr lang="en-US" dirty="0" smtClean="0">
+              <a:solidFill>
+                <a:schemeClr val="tx2">
+                  <a:lumMod val="60000"/>
+                  <a:lumOff val="40000"/>
+                </a:schemeClr>
+              </a:solidFill>
+            </a:endParaRPr>
+          </a:p>
+        </p:txBody>
+      </p:sp>
+      <p:pic>
+        <p:nvPicPr>
+          <p:cNvPr id="7" name="Picture 3" descr="T:\Commercial\IT\Team SLK\Prince\AnjularJS\react.png"/>
+          <p:cNvPicPr>
+            <a:picLocks noChangeAspect="1" noChangeArrowheads="1"/>
+          </p:cNvPicPr>
+          <p:nvPr/>
+        </p:nvPicPr>
+        <p:blipFill>
+          <a:blip r:embed="rId4" cstate="print"/>
+          <a:srcRect/>
+          <a:stretch>
+            <a:fillRect/>
+          </a:stretch>
+        </p:blipFill>
+        <p:spPr bwMode="auto">
+          <a:xfrm>
+            <a:off x="8458200" y="76200"/>
+            <a:ext cx="609599" cy="493485"/>
+          </a:xfrm>
+          <a:prstGeom prst="rect">
+            <a:avLst/>
+          </a:prstGeom>
+          <a:noFill/>
+        </p:spPr>
       </p:pic>
+      <p:cxnSp>
+        <p:nvCxnSpPr>
+          <p:cNvPr id="9" name="Straight Connector 8"/>
+          <p:cNvCxnSpPr/>
+          <p:nvPr/>
+        </p:nvCxnSpPr>
+        <p:spPr>
+          <a:xfrm>
+            <a:off x="0" y="609600"/>
+            <a:ext cx="9144000" cy="0"/>
+          </a:xfrm>
+          <a:prstGeom prst="line">
+            <a:avLst/>
+          </a:prstGeom>
+        </p:spPr>
+        <p:style>
+          <a:lnRef idx="1">
+            <a:schemeClr val="accent1"/>
+          </a:lnRef>
+          <a:fillRef idx="0">
+            <a:schemeClr val="accent1"/>
+          </a:fillRef>
+          <a:effectRef idx="0">
+            <a:schemeClr val="accent1"/>
+          </a:effectRef>
+          <a:fontRef idx="minor">
+            <a:schemeClr val="tx1"/>
+          </a:fontRef>
+        </p:style>
+      </p:cxnSp>
     </p:spTree>
   </p:cSld>
   <p:clrMapOvr>
@@ -3176,7 +3608,252 @@
       </p:grpSpPr>
       <p:sp>
         <p:nvSpPr>
-          <p:cNvPr id="2" name="Title 1"/>
+          <p:cNvPr id="3" name="Content Placeholder 2"/>
+          <p:cNvSpPr>
+            <a:spLocks noGrp="1"/>
+          </p:cNvSpPr>
+          <p:nvPr>
+            <p:ph sz="half" idx="1"/>
+          </p:nvPr>
+        </p:nvSpPr>
+        <p:spPr>
+          <a:xfrm>
+            <a:off x="457200" y="1295400"/>
+            <a:ext cx="7848600" cy="4267200"/>
+          </a:xfrm>
+        </p:spPr>
+        <p:txBody>
+          <a:bodyPr>
+            <a:normAutofit/>
+          </a:bodyPr>
+          <a:lstStyle/>
+          <a:p>
+            <a:r>
+              <a:rPr lang="en-US" sz="1600" dirty="0" smtClean="0">
+                <a:solidFill>
+                  <a:schemeClr val="tx2">
+                    <a:lumMod val="60000"/>
+                    <a:lumOff val="40000"/>
+                  </a:schemeClr>
+                </a:solidFill>
+                <a:latin typeface="Times New Roman" pitchFamily="18" charset="0"/>
+                <a:cs typeface="Times New Roman" pitchFamily="18" charset="0"/>
+              </a:rPr>
+              <a:t>About </a:t>
+            </a:r>
+            <a:r>
+              <a:rPr lang="en-US" sz="1600" dirty="0" err="1" smtClean="0">
+                <a:solidFill>
+                  <a:schemeClr val="tx2">
+                    <a:lumMod val="60000"/>
+                    <a:lumOff val="40000"/>
+                  </a:schemeClr>
+                </a:solidFill>
+                <a:latin typeface="Times New Roman" pitchFamily="18" charset="0"/>
+                <a:cs typeface="Times New Roman" pitchFamily="18" charset="0"/>
+              </a:rPr>
+              <a:t>ReactJS</a:t>
+            </a:r>
+            <a:endParaRPr lang="en-US" sz="1600" dirty="0" smtClean="0">
+              <a:solidFill>
+                <a:schemeClr val="tx2">
+                  <a:lumMod val="60000"/>
+                  <a:lumOff val="40000"/>
+                </a:schemeClr>
+              </a:solidFill>
+              <a:latin typeface="Times New Roman" pitchFamily="18" charset="0"/>
+              <a:cs typeface="Times New Roman" pitchFamily="18" charset="0"/>
+            </a:endParaRPr>
+          </a:p>
+          <a:p>
+            <a:pPr lvl="1"/>
+            <a:r>
+              <a:rPr lang="en-US" sz="1600" dirty="0" smtClean="0">
+                <a:solidFill>
+                  <a:schemeClr val="tx2">
+                    <a:lumMod val="60000"/>
+                    <a:lumOff val="40000"/>
+                  </a:schemeClr>
+                </a:solidFill>
+                <a:latin typeface="Times New Roman" pitchFamily="18" charset="0"/>
+                <a:cs typeface="Times New Roman" pitchFamily="18" charset="0"/>
+              </a:rPr>
+              <a:t>Why we chosen React and </a:t>
+            </a:r>
+            <a:r>
+              <a:rPr lang="en-US" sz="1600" dirty="0" err="1" smtClean="0">
+                <a:solidFill>
+                  <a:schemeClr val="tx2">
+                    <a:lumMod val="60000"/>
+                    <a:lumOff val="40000"/>
+                  </a:schemeClr>
+                </a:solidFill>
+                <a:latin typeface="Times New Roman" pitchFamily="18" charset="0"/>
+                <a:cs typeface="Times New Roman" pitchFamily="18" charset="0"/>
+              </a:rPr>
+              <a:t>Redux</a:t>
+            </a:r>
+            <a:endParaRPr lang="en-US" sz="1600" dirty="0" smtClean="0">
+              <a:solidFill>
+                <a:schemeClr val="tx2">
+                  <a:lumMod val="60000"/>
+                  <a:lumOff val="40000"/>
+                </a:schemeClr>
+              </a:solidFill>
+              <a:latin typeface="Times New Roman" pitchFamily="18" charset="0"/>
+              <a:cs typeface="Times New Roman" pitchFamily="18" charset="0"/>
+            </a:endParaRPr>
+          </a:p>
+          <a:p>
+            <a:pPr lvl="1"/>
+            <a:r>
+              <a:rPr lang="en-US" sz="1600" dirty="0" smtClean="0">
+                <a:solidFill>
+                  <a:schemeClr val="tx2">
+                    <a:lumMod val="60000"/>
+                    <a:lumOff val="40000"/>
+                  </a:schemeClr>
+                </a:solidFill>
+                <a:latin typeface="Times New Roman" pitchFamily="18" charset="0"/>
+                <a:cs typeface="Times New Roman" pitchFamily="18" charset="0"/>
+              </a:rPr>
+              <a:t>How React works</a:t>
+            </a:r>
+          </a:p>
+          <a:p>
+            <a:pPr lvl="1"/>
+            <a:r>
+              <a:rPr lang="en-US" sz="1600" dirty="0" smtClean="0">
+                <a:solidFill>
+                  <a:schemeClr val="tx2">
+                    <a:lumMod val="60000"/>
+                    <a:lumOff val="40000"/>
+                  </a:schemeClr>
+                </a:solidFill>
+                <a:latin typeface="Times New Roman" pitchFamily="18" charset="0"/>
+                <a:cs typeface="Times New Roman" pitchFamily="18" charset="0"/>
+              </a:rPr>
+              <a:t>React based websites </a:t>
+            </a:r>
+          </a:p>
+          <a:p>
+            <a:pPr lvl="1"/>
+            <a:r>
+              <a:rPr lang="en-US" sz="1600" dirty="0" smtClean="0">
+                <a:solidFill>
+                  <a:schemeClr val="tx2">
+                    <a:lumMod val="60000"/>
+                    <a:lumOff val="40000"/>
+                  </a:schemeClr>
+                </a:solidFill>
+                <a:latin typeface="Times New Roman" pitchFamily="18" charset="0"/>
+                <a:cs typeface="Times New Roman" pitchFamily="18" charset="0"/>
+              </a:rPr>
+              <a:t>Performance matrix</a:t>
+            </a:r>
+          </a:p>
+          <a:p>
+            <a:pPr lvl="1"/>
+            <a:r>
+              <a:rPr lang="en-US" sz="1600" dirty="0" err="1" smtClean="0">
+                <a:solidFill>
+                  <a:schemeClr val="tx2">
+                    <a:lumMod val="60000"/>
+                    <a:lumOff val="40000"/>
+                  </a:schemeClr>
+                </a:solidFill>
+                <a:latin typeface="Times New Roman" pitchFamily="18" charset="0"/>
+                <a:cs typeface="Times New Roman" pitchFamily="18" charset="0"/>
+              </a:rPr>
+              <a:t>Redux</a:t>
+            </a:r>
+            <a:r>
+              <a:rPr lang="en-US" sz="1600" dirty="0" smtClean="0">
+                <a:solidFill>
+                  <a:schemeClr val="tx2">
+                    <a:lumMod val="60000"/>
+                    <a:lumOff val="40000"/>
+                  </a:schemeClr>
+                </a:solidFill>
+                <a:latin typeface="Times New Roman" pitchFamily="18" charset="0"/>
+                <a:cs typeface="Times New Roman" pitchFamily="18" charset="0"/>
+              </a:rPr>
+              <a:t> Architecture</a:t>
+            </a:r>
+          </a:p>
+          <a:p>
+            <a:r>
+              <a:rPr lang="en-US" sz="1600" dirty="0" smtClean="0">
+                <a:solidFill>
+                  <a:schemeClr val="tx2">
+                    <a:lumMod val="60000"/>
+                    <a:lumOff val="40000"/>
+                  </a:schemeClr>
+                </a:solidFill>
+                <a:latin typeface="Times New Roman" pitchFamily="18" charset="0"/>
+                <a:cs typeface="Times New Roman" pitchFamily="18" charset="0"/>
+              </a:rPr>
+              <a:t>Open discussion &amp; Questions</a:t>
+            </a:r>
+          </a:p>
+          <a:p>
+            <a:pPr>
+              <a:buNone/>
+            </a:pPr>
+            <a:endParaRPr lang="en-US" sz="1600" dirty="0" smtClean="0">
+              <a:solidFill>
+                <a:schemeClr val="tx2">
+                  <a:lumMod val="60000"/>
+                  <a:lumOff val="40000"/>
+                </a:schemeClr>
+              </a:solidFill>
+              <a:latin typeface="Times New Roman" pitchFamily="18" charset="0"/>
+              <a:cs typeface="Times New Roman" pitchFamily="18" charset="0"/>
+            </a:endParaRPr>
+          </a:p>
+          <a:p>
+            <a:pPr lvl="1"/>
+            <a:endParaRPr lang="en-US" sz="1600" dirty="0" smtClean="0">
+              <a:solidFill>
+                <a:schemeClr val="tx2">
+                  <a:lumMod val="60000"/>
+                  <a:lumOff val="40000"/>
+                </a:schemeClr>
+              </a:solidFill>
+              <a:latin typeface="Times New Roman" pitchFamily="18" charset="0"/>
+              <a:cs typeface="Times New Roman" pitchFamily="18" charset="0"/>
+            </a:endParaRPr>
+          </a:p>
+          <a:p>
+            <a:pPr lvl="1"/>
+            <a:endParaRPr lang="en-US" sz="1600" dirty="0" smtClean="0">
+              <a:solidFill>
+                <a:schemeClr val="tx2">
+                  <a:lumMod val="60000"/>
+                  <a:lumOff val="40000"/>
+                </a:schemeClr>
+              </a:solidFill>
+              <a:latin typeface="Times New Roman" pitchFamily="18" charset="0"/>
+              <a:cs typeface="Times New Roman" pitchFamily="18" charset="0"/>
+            </a:endParaRPr>
+          </a:p>
+          <a:p>
+            <a:endParaRPr lang="en-US" sz="1600" dirty="0" smtClean="0">
+              <a:solidFill>
+                <a:schemeClr val="tx2">
+                  <a:lumMod val="60000"/>
+                  <a:lumOff val="40000"/>
+                </a:schemeClr>
+              </a:solidFill>
+              <a:latin typeface="Times New Roman" pitchFamily="18" charset="0"/>
+              <a:cs typeface="Times New Roman" pitchFamily="18" charset="0"/>
+            </a:endParaRPr>
+          </a:p>
+        </p:txBody>
+      </p:sp>
+      <p:sp>
+        <p:nvSpPr>
+          <p:cNvPr id="8" name="Title 1"/>
           <p:cNvSpPr>
             <a:spLocks noGrp="1"/>
           </p:cNvSpPr>
@@ -3184,114 +3861,102 @@
             <p:ph type="title"/>
           </p:nvPr>
         </p:nvSpPr>
-        <p:spPr/>
-        <p:txBody>
-          <a:bodyPr/>
-          <a:lstStyle/>
-          <a:p>
-            <a:endParaRPr lang="en-US" dirty="0"/>
-          </a:p>
-        </p:txBody>
-      </p:sp>
-      <p:sp>
-        <p:nvSpPr>
-          <p:cNvPr id="3" name="Content Placeholder 2"/>
-          <p:cNvSpPr>
-            <a:spLocks noGrp="1"/>
-          </p:cNvSpPr>
-          <p:nvPr>
-            <p:ph idx="1"/>
-          </p:nvPr>
-        </p:nvSpPr>
-        <p:spPr/>
+        <p:spPr>
+          <a:xfrm>
+            <a:off x="0" y="274638"/>
+            <a:ext cx="9144000" cy="563562"/>
+          </a:xfrm>
+        </p:spPr>
         <p:txBody>
           <a:bodyPr>
-            <a:normAutofit fontScale="92500" lnSpcReduction="20000"/>
+            <a:noAutofit/>
           </a:bodyPr>
           <a:lstStyle/>
           <a:p>
             <a:r>
-              <a:rPr lang="en-US" dirty="0" smtClean="0"/>
-              <a:t>FAQ</a:t>
-            </a:r>
-          </a:p>
-          <a:p>
-            <a:r>
-              <a:rPr lang="en-US" dirty="0" smtClean="0"/>
-              <a:t>Why React, how its work</a:t>
-            </a:r>
-          </a:p>
-          <a:p>
-            <a:r>
-              <a:rPr lang="en-US" dirty="0" smtClean="0"/>
-              <a:t>Components </a:t>
-            </a:r>
-          </a:p>
-          <a:p>
-            <a:r>
-              <a:rPr lang="en-US" dirty="0" err="1" smtClean="0"/>
-              <a:t>Webpack</a:t>
-            </a:r>
-            <a:endParaRPr lang="en-US" dirty="0" smtClean="0"/>
-          </a:p>
-          <a:p>
-            <a:pPr lvl="1"/>
-            <a:r>
-              <a:rPr lang="en-US" dirty="0" err="1" smtClean="0"/>
-              <a:t>Config</a:t>
-            </a:r>
-            <a:endParaRPr lang="en-US" dirty="0" smtClean="0"/>
-          </a:p>
-          <a:p>
-            <a:pPr lvl="1"/>
-            <a:r>
-              <a:rPr lang="en-US" dirty="0" err="1" smtClean="0"/>
-              <a:t>Package.json</a:t>
-            </a:r>
-            <a:endParaRPr lang="en-US" dirty="0" smtClean="0"/>
-          </a:p>
-          <a:p>
-            <a:pPr lvl="1"/>
-            <a:r>
-              <a:rPr lang="en-US" dirty="0" smtClean="0"/>
-              <a:t>Server.js</a:t>
-            </a:r>
-          </a:p>
-          <a:p>
-            <a:r>
-              <a:rPr lang="en-US" dirty="0" smtClean="0"/>
-              <a:t>State</a:t>
-            </a:r>
-          </a:p>
-          <a:p>
-            <a:r>
-              <a:rPr lang="en-US" dirty="0" smtClean="0"/>
-              <a:t>Props</a:t>
-            </a:r>
-          </a:p>
-          <a:p>
-            <a:r>
-              <a:rPr lang="en-US" dirty="0" smtClean="0"/>
-              <a:t>JSX</a:t>
-            </a:r>
-            <a:endParaRPr lang="en-US" dirty="0" smtClean="0"/>
-          </a:p>
-          <a:p>
-            <a:endParaRPr lang="en-US" dirty="0" smtClean="0"/>
-          </a:p>
-          <a:p>
-            <a:endParaRPr lang="en-US" dirty="0" smtClean="0"/>
-          </a:p>
-          <a:p>
-            <a:endParaRPr lang="en-US" dirty="0"/>
-          </a:p>
-        </p:txBody>
-      </p:sp>
+              <a:rPr lang="en-US" sz="2800" dirty="0" smtClean="0">
+                <a:solidFill>
+                  <a:schemeClr val="tx2">
+                    <a:lumMod val="60000"/>
+                    <a:lumOff val="40000"/>
+                  </a:schemeClr>
+                </a:solidFill>
+                <a:latin typeface="Times New Roman" pitchFamily="18" charset="0"/>
+                <a:cs typeface="Times New Roman" pitchFamily="18" charset="0"/>
+              </a:rPr>
+              <a:t>Agenda</a:t>
+            </a:r>
+          </a:p>
+        </p:txBody>
+      </p:sp>
+      <p:cxnSp>
+        <p:nvCxnSpPr>
+          <p:cNvPr id="11" name="Straight Connector 10"/>
+          <p:cNvCxnSpPr/>
+          <p:nvPr/>
+        </p:nvCxnSpPr>
+        <p:spPr>
+          <a:xfrm>
+            <a:off x="0" y="762000"/>
+            <a:ext cx="9144000" cy="0"/>
+          </a:xfrm>
+          <a:prstGeom prst="line">
+            <a:avLst/>
+          </a:prstGeom>
+        </p:spPr>
+        <p:style>
+          <a:lnRef idx="1">
+            <a:schemeClr val="accent1"/>
+          </a:lnRef>
+          <a:fillRef idx="0">
+            <a:schemeClr val="accent1"/>
+          </a:fillRef>
+          <a:effectRef idx="0">
+            <a:schemeClr val="accent1"/>
+          </a:effectRef>
+          <a:fontRef idx="minor">
+            <a:schemeClr val="tx1"/>
+          </a:fontRef>
+        </p:style>
+      </p:cxnSp>
+      <p:pic>
+        <p:nvPicPr>
+          <p:cNvPr id="12" name="Picture 3" descr="T:\Commercial\IT\Team SLK\Prince\AnjularJS\react.png"/>
+          <p:cNvPicPr>
+            <a:picLocks noChangeAspect="1" noChangeArrowheads="1"/>
+          </p:cNvPicPr>
+          <p:nvPr/>
+        </p:nvPicPr>
+        <p:blipFill>
+          <a:blip r:embed="rId2" cstate="print"/>
+          <a:srcRect/>
+          <a:stretch>
+            <a:fillRect/>
+          </a:stretch>
+        </p:blipFill>
+        <p:spPr bwMode="auto">
+          <a:xfrm>
+            <a:off x="8534401" y="268515"/>
+            <a:ext cx="609599" cy="493485"/>
+          </a:xfrm>
+          <a:prstGeom prst="rect">
+            <a:avLst/>
+          </a:prstGeom>
+          <a:noFill/>
+        </p:spPr>
+      </p:pic>
     </p:spTree>
   </p:cSld>
   <p:clrMapOvr>
     <a:masterClrMapping/>
   </p:clrMapOvr>
+  <p:timing>
+    <p:tnLst>
+      <p:par>
+        <p:cTn id="1" dur="indefinite" restart="never" nodeType="tmRoot"/>
+      </p:par>
+    </p:tnLst>
+  </p:timing>
 </p:sld>
 </file>
 
@@ -3314,7 +3979,409 @@
       </p:grpSpPr>
       <p:sp>
         <p:nvSpPr>
-          <p:cNvPr id="2" name="Title 1"/>
+          <p:cNvPr id="3" name="Content Placeholder 2"/>
+          <p:cNvSpPr>
+            <a:spLocks noGrp="1"/>
+          </p:cNvSpPr>
+          <p:nvPr>
+            <p:ph idx="1"/>
+          </p:nvPr>
+        </p:nvSpPr>
+        <p:spPr>
+          <a:xfrm>
+            <a:off x="457200" y="914400"/>
+            <a:ext cx="8229600" cy="5211763"/>
+          </a:xfrm>
+        </p:spPr>
+        <p:txBody>
+          <a:bodyPr>
+            <a:normAutofit fontScale="77500" lnSpcReduction="20000"/>
+          </a:bodyPr>
+          <a:lstStyle/>
+          <a:p>
+            <a:r>
+              <a:rPr lang="en-US" sz="2400" dirty="0" smtClean="0">
+                <a:solidFill>
+                  <a:schemeClr val="tx2">
+                    <a:lumMod val="60000"/>
+                    <a:lumOff val="40000"/>
+                  </a:schemeClr>
+                </a:solidFill>
+              </a:rPr>
+              <a:t>Maintained by </a:t>
+            </a:r>
+            <a:r>
+              <a:rPr lang="en-US" sz="2400" dirty="0" err="1" smtClean="0">
+                <a:solidFill>
+                  <a:schemeClr val="tx2">
+                    <a:lumMod val="60000"/>
+                    <a:lumOff val="40000"/>
+                  </a:schemeClr>
+                </a:solidFill>
+              </a:rPr>
+              <a:t>facebook</a:t>
+            </a:r>
+            <a:r>
+              <a:rPr lang="en-US" sz="2400" dirty="0" smtClean="0">
+                <a:solidFill>
+                  <a:schemeClr val="tx2">
+                    <a:lumMod val="60000"/>
+                    <a:lumOff val="40000"/>
+                  </a:schemeClr>
+                </a:solidFill>
+              </a:rPr>
+              <a:t> and </a:t>
+            </a:r>
+            <a:r>
+              <a:rPr lang="en-US" sz="2400" dirty="0" err="1" smtClean="0">
+                <a:solidFill>
+                  <a:schemeClr val="tx2">
+                    <a:lumMod val="60000"/>
+                    <a:lumOff val="40000"/>
+                  </a:schemeClr>
+                </a:solidFill>
+              </a:rPr>
+              <a:t>instagram</a:t>
+            </a:r>
+            <a:endParaRPr lang="en-US" sz="2400" dirty="0" smtClean="0">
+              <a:solidFill>
+                <a:schemeClr val="tx2">
+                  <a:lumMod val="60000"/>
+                  <a:lumOff val="40000"/>
+                </a:schemeClr>
+              </a:solidFill>
+            </a:endParaRPr>
+          </a:p>
+          <a:p>
+            <a:r>
+              <a:rPr lang="en-US" sz="2400" dirty="0" smtClean="0">
+                <a:solidFill>
+                  <a:schemeClr val="tx2">
+                    <a:lumMod val="60000"/>
+                    <a:lumOff val="40000"/>
+                  </a:schemeClr>
+                </a:solidFill>
+              </a:rPr>
+              <a:t>Having a huge community</a:t>
+            </a:r>
+          </a:p>
+          <a:p>
+            <a:pPr lvl="1"/>
+            <a:r>
+              <a:rPr lang="en-US" sz="2000" dirty="0" smtClean="0">
+                <a:solidFill>
+                  <a:schemeClr val="tx2">
+                    <a:lumMod val="60000"/>
+                    <a:lumOff val="40000"/>
+                  </a:schemeClr>
+                </a:solidFill>
+                <a:hlinkClick r:id="rId2"/>
+              </a:rPr>
+              <a:t>https://facebook.github.io/react</a:t>
+            </a:r>
+            <a:endParaRPr lang="en-US" sz="2000" dirty="0" smtClean="0">
+              <a:solidFill>
+                <a:schemeClr val="tx2">
+                  <a:lumMod val="60000"/>
+                  <a:lumOff val="40000"/>
+                </a:schemeClr>
+              </a:solidFill>
+            </a:endParaRPr>
+          </a:p>
+          <a:p>
+            <a:pPr lvl="1"/>
+            <a:r>
+              <a:rPr lang="en-US" sz="2000" dirty="0" smtClean="0">
+                <a:solidFill>
+                  <a:schemeClr val="tx2">
+                    <a:lumMod val="60000"/>
+                    <a:lumOff val="40000"/>
+                  </a:schemeClr>
+                </a:solidFill>
+                <a:hlinkClick r:id="rId3"/>
+              </a:rPr>
+              <a:t>https://github.com/reactjs</a:t>
+            </a:r>
+            <a:endParaRPr lang="en-US" sz="2000" dirty="0" smtClean="0">
+              <a:solidFill>
+                <a:schemeClr val="tx2">
+                  <a:lumMod val="60000"/>
+                  <a:lumOff val="40000"/>
+                </a:schemeClr>
+              </a:solidFill>
+            </a:endParaRPr>
+          </a:p>
+          <a:p>
+            <a:r>
+              <a:rPr lang="en-US" sz="2400" dirty="0" smtClean="0">
+                <a:solidFill>
+                  <a:schemeClr val="tx2">
+                    <a:lumMod val="60000"/>
+                    <a:lumOff val="40000"/>
+                  </a:schemeClr>
+                </a:solidFill>
+              </a:rPr>
+              <a:t>Resources and Forums</a:t>
+            </a:r>
+          </a:p>
+          <a:p>
+            <a:pPr lvl="1"/>
+            <a:r>
+              <a:rPr lang="en-US" sz="2500" dirty="0" err="1" smtClean="0">
+                <a:solidFill>
+                  <a:schemeClr val="tx2">
+                    <a:lumMod val="60000"/>
+                    <a:lumOff val="40000"/>
+                  </a:schemeClr>
+                </a:solidFill>
+                <a:latin typeface="Times New Roman" pitchFamily="18" charset="0"/>
+                <a:cs typeface="Times New Roman" pitchFamily="18" charset="0"/>
+              </a:rPr>
+              <a:t>Stackoverflow</a:t>
+            </a:r>
+            <a:r>
+              <a:rPr lang="en-US" sz="2500" dirty="0" smtClean="0">
+                <a:solidFill>
+                  <a:schemeClr val="tx2">
+                    <a:lumMod val="60000"/>
+                    <a:lumOff val="40000"/>
+                  </a:schemeClr>
+                </a:solidFill>
+                <a:latin typeface="Times New Roman" pitchFamily="18" charset="0"/>
+                <a:cs typeface="Times New Roman" pitchFamily="18" charset="0"/>
+              </a:rPr>
+              <a:t>, </a:t>
+            </a:r>
+          </a:p>
+          <a:p>
+            <a:pPr lvl="1"/>
+            <a:r>
+              <a:rPr lang="en-US" sz="2500" dirty="0" smtClean="0">
+                <a:solidFill>
+                  <a:schemeClr val="tx2">
+                    <a:lumMod val="60000"/>
+                    <a:lumOff val="40000"/>
+                  </a:schemeClr>
+                </a:solidFill>
+                <a:latin typeface="Times New Roman" pitchFamily="18" charset="0"/>
+                <a:cs typeface="Times New Roman" pitchFamily="18" charset="0"/>
+              </a:rPr>
+              <a:t>Discuss.react.org</a:t>
+            </a:r>
+          </a:p>
+          <a:p>
+            <a:pPr lvl="1"/>
+            <a:r>
+              <a:rPr lang="en-US" sz="2500" dirty="0" err="1" smtClean="0">
+                <a:solidFill>
+                  <a:schemeClr val="tx2">
+                    <a:lumMod val="60000"/>
+                    <a:lumOff val="40000"/>
+                  </a:schemeClr>
+                </a:solidFill>
+                <a:latin typeface="Times New Roman" pitchFamily="18" charset="0"/>
+                <a:cs typeface="Times New Roman" pitchFamily="18" charset="0"/>
+              </a:rPr>
+              <a:t>HitHub</a:t>
+            </a:r>
+            <a:r>
+              <a:rPr lang="en-US" sz="2500" dirty="0" smtClean="0">
+                <a:solidFill>
+                  <a:schemeClr val="tx2">
+                    <a:lumMod val="60000"/>
+                    <a:lumOff val="40000"/>
+                  </a:schemeClr>
+                </a:solidFill>
+                <a:latin typeface="Times New Roman" pitchFamily="18" charset="0"/>
+                <a:cs typeface="Times New Roman" pitchFamily="18" charset="0"/>
+              </a:rPr>
+              <a:t> Social Coding</a:t>
+            </a:r>
+          </a:p>
+          <a:p>
+            <a:pPr lvl="1"/>
+            <a:r>
+              <a:rPr lang="en-US" sz="2500" dirty="0" smtClean="0">
+                <a:solidFill>
+                  <a:schemeClr val="tx2">
+                    <a:lumMod val="60000"/>
+                    <a:lumOff val="40000"/>
+                  </a:schemeClr>
+                </a:solidFill>
+                <a:latin typeface="Times New Roman" pitchFamily="18" charset="0"/>
+                <a:cs typeface="Times New Roman" pitchFamily="18" charset="0"/>
+              </a:rPr>
+              <a:t>Official sites</a:t>
+            </a:r>
+          </a:p>
+          <a:p>
+            <a:pPr lvl="1"/>
+            <a:r>
+              <a:rPr lang="en-US" sz="2500" dirty="0" smtClean="0">
+                <a:solidFill>
+                  <a:schemeClr val="tx2">
+                    <a:lumMod val="60000"/>
+                    <a:lumOff val="40000"/>
+                  </a:schemeClr>
+                </a:solidFill>
+                <a:latin typeface="Times New Roman" pitchFamily="18" charset="0"/>
+                <a:cs typeface="Times New Roman" pitchFamily="18" charset="0"/>
+              </a:rPr>
+              <a:t>Redux.js.org</a:t>
+            </a:r>
+          </a:p>
+          <a:p>
+            <a:pPr lvl="1">
+              <a:buNone/>
+            </a:pPr>
+            <a:endParaRPr lang="en-US" sz="2000" dirty="0" smtClean="0">
+              <a:solidFill>
+                <a:schemeClr val="tx2">
+                  <a:lumMod val="60000"/>
+                  <a:lumOff val="40000"/>
+                </a:schemeClr>
+              </a:solidFill>
+            </a:endParaRPr>
+          </a:p>
+          <a:p>
+            <a:r>
+              <a:rPr lang="en-US" sz="2400" dirty="0" smtClean="0">
+                <a:solidFill>
+                  <a:schemeClr val="tx2">
+                    <a:lumMod val="60000"/>
+                    <a:lumOff val="40000"/>
+                  </a:schemeClr>
+                </a:solidFill>
+              </a:rPr>
+              <a:t>Can be the “V” in MVC</a:t>
+            </a:r>
+          </a:p>
+          <a:p>
+            <a:r>
+              <a:rPr lang="en-US" sz="2400" dirty="0" smtClean="0">
+                <a:solidFill>
+                  <a:schemeClr val="tx2">
+                    <a:lumMod val="60000"/>
+                    <a:lumOff val="40000"/>
+                  </a:schemeClr>
+                </a:solidFill>
+              </a:rPr>
+              <a:t>Is ideal for large scale single page application</a:t>
+            </a:r>
+          </a:p>
+          <a:p>
+            <a:r>
+              <a:rPr lang="en-US" sz="2400" dirty="0" smtClean="0">
+                <a:solidFill>
+                  <a:schemeClr val="tx2">
+                    <a:lumMod val="60000"/>
+                    <a:lumOff val="40000"/>
+                  </a:schemeClr>
+                </a:solidFill>
+              </a:rPr>
+              <a:t>Use high speed virtual DOM</a:t>
+            </a:r>
+          </a:p>
+          <a:p>
+            <a:r>
+              <a:rPr lang="en-US" sz="2400" dirty="0" smtClean="0">
+                <a:solidFill>
+                  <a:schemeClr val="tx2">
+                    <a:lumMod val="60000"/>
+                    <a:lumOff val="40000"/>
+                  </a:schemeClr>
+                </a:solidFill>
+              </a:rPr>
+              <a:t>Use clean and easy to understand JSX syntax</a:t>
+            </a:r>
+          </a:p>
+          <a:p>
+            <a:r>
+              <a:rPr lang="en-US" sz="2400" dirty="0" smtClean="0">
+                <a:solidFill>
+                  <a:schemeClr val="tx2">
+                    <a:lumMod val="60000"/>
+                    <a:lumOff val="40000"/>
+                  </a:schemeClr>
+                </a:solidFill>
+              </a:rPr>
+              <a:t>Since 2013</a:t>
+            </a:r>
+          </a:p>
+          <a:p>
+            <a:r>
+              <a:rPr lang="en-US" sz="2400" dirty="0" err="1" smtClean="0">
+                <a:solidFill>
+                  <a:schemeClr val="tx2">
+                    <a:lumMod val="60000"/>
+                    <a:lumOff val="40000"/>
+                  </a:schemeClr>
+                </a:solidFill>
+              </a:rPr>
+              <a:t>Redux</a:t>
+            </a:r>
+            <a:r>
+              <a:rPr lang="en-US" sz="2400" dirty="0" smtClean="0">
+                <a:solidFill>
+                  <a:schemeClr val="tx2">
+                    <a:lumMod val="60000"/>
+                    <a:lumOff val="40000"/>
+                  </a:schemeClr>
+                </a:solidFill>
+              </a:rPr>
+              <a:t>(2015 </a:t>
+            </a:r>
+            <a:r>
+              <a:rPr lang="en-US" sz="2400" dirty="0" err="1" smtClean="0">
+                <a:solidFill>
+                  <a:schemeClr val="tx2">
+                    <a:lumMod val="60000"/>
+                    <a:lumOff val="40000"/>
+                  </a:schemeClr>
+                </a:solidFill>
+              </a:rPr>
+              <a:t>june</a:t>
+            </a:r>
+            <a:r>
+              <a:rPr lang="en-US" sz="2400" dirty="0" smtClean="0">
+                <a:solidFill>
+                  <a:schemeClr val="tx2">
+                    <a:lumMod val="60000"/>
+                    <a:lumOff val="40000"/>
+                  </a:schemeClr>
+                </a:solidFill>
+              </a:rPr>
+              <a:t>) or Flux architecture based </a:t>
+            </a:r>
+          </a:p>
+          <a:p>
+            <a:r>
+              <a:rPr lang="en-US" sz="2500" dirty="0" smtClean="0">
+                <a:solidFill>
+                  <a:schemeClr val="tx2">
+                    <a:lumMod val="60000"/>
+                    <a:lumOff val="40000"/>
+                  </a:schemeClr>
+                </a:solidFill>
+              </a:rPr>
+              <a:t>Unit testing , logging, state management</a:t>
+            </a:r>
+          </a:p>
+          <a:p>
+            <a:endParaRPr lang="en-US" sz="2400" dirty="0">
+              <a:solidFill>
+                <a:schemeClr val="tx2">
+                  <a:lumMod val="60000"/>
+                  <a:lumOff val="40000"/>
+                </a:schemeClr>
+              </a:solidFill>
+            </a:endParaRPr>
+          </a:p>
+        </p:txBody>
+      </p:sp>
+      <p:sp>
+        <p:nvSpPr>
+          <p:cNvPr id="4" name="Title 1"/>
           <p:cNvSpPr>
             <a:spLocks noGrp="1"/>
           </p:cNvSpPr>
@@ -3322,92 +4389,119 @@
             <p:ph type="title"/>
           </p:nvPr>
         </p:nvSpPr>
-        <p:spPr/>
-        <p:txBody>
-          <a:bodyPr/>
-          <a:lstStyle/>
-          <a:p>
-            <a:r>
-              <a:rPr lang="en-US" dirty="0" smtClean="0"/>
-              <a:t>FAQ</a:t>
-            </a:r>
-            <a:endParaRPr lang="en-US" dirty="0"/>
-          </a:p>
-        </p:txBody>
-      </p:sp>
-      <p:sp>
-        <p:nvSpPr>
-          <p:cNvPr id="3" name="Content Placeholder 2"/>
-          <p:cNvSpPr>
-            <a:spLocks noGrp="1"/>
-          </p:cNvSpPr>
-          <p:nvPr>
-            <p:ph idx="1"/>
-          </p:nvPr>
-        </p:nvSpPr>
-        <p:spPr/>
-        <p:txBody>
-          <a:bodyPr/>
-          <a:lstStyle/>
-          <a:p>
-            <a:r>
-              <a:rPr lang="en-US" dirty="0" smtClean="0"/>
-              <a:t>Maintained by </a:t>
-            </a:r>
-            <a:r>
-              <a:rPr lang="en-US" dirty="0" err="1" smtClean="0"/>
-              <a:t>facebook</a:t>
-            </a:r>
-            <a:r>
-              <a:rPr lang="en-US" dirty="0" smtClean="0"/>
-              <a:t> and </a:t>
-            </a:r>
-            <a:r>
-              <a:rPr lang="en-US" dirty="0" err="1" smtClean="0"/>
-              <a:t>instagram</a:t>
-            </a:r>
-            <a:endParaRPr lang="en-US" dirty="0" smtClean="0"/>
-          </a:p>
-          <a:p>
-            <a:r>
-              <a:rPr lang="en-US" dirty="0" smtClean="0"/>
-              <a:t>Having a huge community</a:t>
-            </a:r>
-          </a:p>
-          <a:p>
-            <a:r>
-              <a:rPr lang="en-US" dirty="0" smtClean="0"/>
-              <a:t>Can be the “V” in MVC</a:t>
-            </a:r>
-          </a:p>
-          <a:p>
-            <a:r>
-              <a:rPr lang="en-US" dirty="0" smtClean="0"/>
-              <a:t>Is ideal for large scale single page application</a:t>
-            </a:r>
-          </a:p>
-          <a:p>
-            <a:r>
-              <a:rPr lang="en-US" dirty="0" smtClean="0"/>
-              <a:t>Uses a high speed virtual DOM</a:t>
-            </a:r>
-          </a:p>
-          <a:p>
-            <a:r>
-              <a:rPr lang="en-US" dirty="0" smtClean="0"/>
-              <a:t>Use clean and easy to understand JSX syntax</a:t>
-            </a:r>
-          </a:p>
-          <a:p>
-            <a:endParaRPr lang="en-US" dirty="0"/>
-          </a:p>
-        </p:txBody>
-      </p:sp>
+        <p:spPr>
+          <a:xfrm>
+            <a:off x="457200" y="274638"/>
+            <a:ext cx="8229600" cy="563562"/>
+          </a:xfrm>
+        </p:spPr>
+        <p:txBody>
+          <a:bodyPr>
+            <a:normAutofit/>
+          </a:bodyPr>
+          <a:lstStyle/>
+          <a:p>
+            <a:r>
+              <a:rPr lang="en-US" sz="2800" b="1" dirty="0" smtClean="0">
+                <a:solidFill>
+                  <a:schemeClr val="tx2">
+                    <a:lumMod val="60000"/>
+                    <a:lumOff val="40000"/>
+                  </a:schemeClr>
+                </a:solidFill>
+              </a:rPr>
+              <a:t>Why </a:t>
+            </a:r>
+            <a:r>
+              <a:rPr lang="en-US" sz="2800" b="1" dirty="0" err="1" smtClean="0">
+                <a:solidFill>
+                  <a:schemeClr val="tx2">
+                    <a:lumMod val="60000"/>
+                    <a:lumOff val="40000"/>
+                  </a:schemeClr>
+                </a:solidFill>
+              </a:rPr>
+              <a:t>ReactJS</a:t>
+            </a:r>
+            <a:endParaRPr lang="en-US" sz="2800" b="1" dirty="0">
+              <a:solidFill>
+                <a:schemeClr val="tx2">
+                  <a:lumMod val="60000"/>
+                  <a:lumOff val="40000"/>
+                </a:schemeClr>
+              </a:solidFill>
+            </a:endParaRPr>
+          </a:p>
+        </p:txBody>
+      </p:sp>
+      <p:cxnSp>
+        <p:nvCxnSpPr>
+          <p:cNvPr id="6" name="Straight Connector 5"/>
+          <p:cNvCxnSpPr/>
+          <p:nvPr/>
+        </p:nvCxnSpPr>
+        <p:spPr>
+          <a:xfrm>
+            <a:off x="0" y="762000"/>
+            <a:ext cx="9144000" cy="0"/>
+          </a:xfrm>
+          <a:prstGeom prst="line">
+            <a:avLst/>
+          </a:prstGeom>
+        </p:spPr>
+        <p:style>
+          <a:lnRef idx="1">
+            <a:schemeClr val="accent1"/>
+          </a:lnRef>
+          <a:fillRef idx="0">
+            <a:schemeClr val="accent1"/>
+          </a:fillRef>
+          <a:effectRef idx="0">
+            <a:schemeClr val="accent1"/>
+          </a:effectRef>
+          <a:fontRef idx="minor">
+            <a:schemeClr val="tx1"/>
+          </a:fontRef>
+        </p:style>
+      </p:cxnSp>
+      <p:pic>
+        <p:nvPicPr>
+          <p:cNvPr id="7" name="Picture 3" descr="T:\Commercial\IT\Team SLK\Prince\AnjularJS\react.png"/>
+          <p:cNvPicPr>
+            <a:picLocks noChangeAspect="1" noChangeArrowheads="1"/>
+          </p:cNvPicPr>
+          <p:nvPr/>
+        </p:nvPicPr>
+        <p:blipFill>
+          <a:blip r:embed="rId4" cstate="print"/>
+          <a:srcRect/>
+          <a:stretch>
+            <a:fillRect/>
+          </a:stretch>
+        </p:blipFill>
+        <p:spPr bwMode="auto">
+          <a:xfrm>
+            <a:off x="8534401" y="268515"/>
+            <a:ext cx="609599" cy="493485"/>
+          </a:xfrm>
+          <a:prstGeom prst="rect">
+            <a:avLst/>
+          </a:prstGeom>
+          <a:noFill/>
+        </p:spPr>
+      </p:pic>
     </p:spTree>
   </p:cSld>
   <p:clrMapOvr>
     <a:masterClrMapping/>
   </p:clrMapOvr>
+  <p:timing>
+    <p:tnLst>
+      <p:par>
+        <p:cTn id="1" dur="indefinite" restart="never" nodeType="tmRoot"/>
+      </p:par>
+    </p:tnLst>
+  </p:timing>
 </p:sld>
 </file>
 
@@ -3430,72 +4524,762 @@
       </p:grpSpPr>
       <p:sp>
         <p:nvSpPr>
-          <p:cNvPr id="2" name="Title 1"/>
-          <p:cNvSpPr>
-            <a:spLocks noGrp="1"/>
-          </p:cNvSpPr>
-          <p:nvPr>
-            <p:ph type="title"/>
-          </p:nvPr>
-        </p:nvSpPr>
-        <p:spPr/>
-        <p:txBody>
-          <a:bodyPr/>
-          <a:lstStyle/>
-          <a:p>
+          <p:cNvPr id="4" name="Rectangle 3"/>
+          <p:cNvSpPr/>
+          <p:nvPr/>
+        </p:nvSpPr>
+        <p:spPr>
+          <a:xfrm>
+            <a:off x="838200" y="838200"/>
+            <a:ext cx="7315200" cy="685800"/>
+          </a:xfrm>
+          <a:prstGeom prst="rect">
+            <a:avLst/>
+          </a:prstGeom>
+        </p:spPr>
+        <p:style>
+          <a:lnRef idx="2">
+            <a:schemeClr val="accent1">
+              <a:shade val="50000"/>
+            </a:schemeClr>
+          </a:lnRef>
+          <a:fillRef idx="1">
+            <a:schemeClr val="accent1"/>
+          </a:fillRef>
+          <a:effectRef idx="0">
+            <a:schemeClr val="accent1"/>
+          </a:effectRef>
+          <a:fontRef idx="minor">
+            <a:schemeClr val="lt1"/>
+          </a:fontRef>
+        </p:style>
+        <p:txBody>
+          <a:bodyPr rtlCol="0" anchor="ctr"/>
+          <a:lstStyle/>
+          <a:p>
+            <a:pPr algn="ctr"/>
+            <a:r>
+              <a:rPr lang="en-US" dirty="0" smtClean="0"/>
+              <a:t>DOM</a:t>
+            </a:r>
             <a:endParaRPr lang="en-US" dirty="0"/>
           </a:p>
         </p:txBody>
       </p:sp>
       <p:sp>
         <p:nvSpPr>
-          <p:cNvPr id="3" name="Content Placeholder 2"/>
-          <p:cNvSpPr>
-            <a:spLocks noGrp="1"/>
-          </p:cNvSpPr>
-          <p:nvPr>
-            <p:ph idx="1"/>
-          </p:nvPr>
-        </p:nvSpPr>
-        <p:spPr/>
-        <p:txBody>
-          <a:bodyPr/>
-          <a:lstStyle/>
-          <a:p>
+          <p:cNvPr id="5" name="Rectangle 4"/>
+          <p:cNvSpPr/>
+          <p:nvPr/>
+        </p:nvSpPr>
+        <p:spPr>
+          <a:xfrm>
+            <a:off x="990600" y="2438400"/>
+            <a:ext cx="7315200" cy="685800"/>
+          </a:xfrm>
+          <a:prstGeom prst="rect">
+            <a:avLst/>
+          </a:prstGeom>
+        </p:spPr>
+        <p:style>
+          <a:lnRef idx="2">
+            <a:schemeClr val="accent1">
+              <a:shade val="50000"/>
+            </a:schemeClr>
+          </a:lnRef>
+          <a:fillRef idx="1">
+            <a:schemeClr val="accent1"/>
+          </a:fillRef>
+          <a:effectRef idx="0">
+            <a:schemeClr val="accent1"/>
+          </a:effectRef>
+          <a:fontRef idx="minor">
+            <a:schemeClr val="lt1"/>
+          </a:fontRef>
+        </p:style>
+        <p:txBody>
+          <a:bodyPr rtlCol="0" anchor="ctr"/>
+          <a:lstStyle/>
+          <a:p>
+            <a:pPr algn="ctr"/>
             <a:r>
               <a:rPr lang="en-US" dirty="0" smtClean="0"/>
-              <a:t>JavaScript objects are faster than DOM object</a:t>
-            </a:r>
-          </a:p>
-          <a:p>
+              <a:t>JavaScript Logic</a:t>
+            </a:r>
+            <a:endParaRPr lang="en-US" dirty="0"/>
+          </a:p>
+        </p:txBody>
+      </p:sp>
+      <p:sp>
+        <p:nvSpPr>
+          <p:cNvPr id="6" name="Down Arrow 5"/>
+          <p:cNvSpPr/>
+          <p:nvPr/>
+        </p:nvSpPr>
+        <p:spPr>
+          <a:xfrm>
+            <a:off x="1524000" y="1524000"/>
+            <a:ext cx="381000" cy="762000"/>
+          </a:xfrm>
+          <a:prstGeom prst="downArrow">
+            <a:avLst/>
+          </a:prstGeom>
+        </p:spPr>
+        <p:style>
+          <a:lnRef idx="2">
+            <a:schemeClr val="accent1">
+              <a:shade val="50000"/>
+            </a:schemeClr>
+          </a:lnRef>
+          <a:fillRef idx="1">
+            <a:schemeClr val="accent1"/>
+          </a:fillRef>
+          <a:effectRef idx="0">
+            <a:schemeClr val="accent1"/>
+          </a:effectRef>
+          <a:fontRef idx="minor">
+            <a:schemeClr val="lt1"/>
+          </a:fontRef>
+        </p:style>
+        <p:txBody>
+          <a:bodyPr rtlCol="0" anchor="ctr"/>
+          <a:lstStyle/>
+          <a:p>
+            <a:pPr algn="ctr"/>
+            <a:endParaRPr lang="en-US"/>
+          </a:p>
+        </p:txBody>
+      </p:sp>
+      <p:sp>
+        <p:nvSpPr>
+          <p:cNvPr id="7" name="Down Arrow 6"/>
+          <p:cNvSpPr/>
+          <p:nvPr/>
+        </p:nvSpPr>
+        <p:spPr>
+          <a:xfrm>
+            <a:off x="5029200" y="1524000"/>
+            <a:ext cx="381000" cy="762000"/>
+          </a:xfrm>
+          <a:prstGeom prst="downArrow">
+            <a:avLst/>
+          </a:prstGeom>
+        </p:spPr>
+        <p:style>
+          <a:lnRef idx="2">
+            <a:schemeClr val="accent1">
+              <a:shade val="50000"/>
+            </a:schemeClr>
+          </a:lnRef>
+          <a:fillRef idx="1">
+            <a:schemeClr val="accent1"/>
+          </a:fillRef>
+          <a:effectRef idx="0">
+            <a:schemeClr val="accent1"/>
+          </a:effectRef>
+          <a:fontRef idx="minor">
+            <a:schemeClr val="lt1"/>
+          </a:fontRef>
+        </p:style>
+        <p:txBody>
+          <a:bodyPr rtlCol="0" anchor="ctr"/>
+          <a:lstStyle/>
+          <a:p>
+            <a:pPr algn="ctr"/>
+            <a:endParaRPr lang="en-US"/>
+          </a:p>
+        </p:txBody>
+      </p:sp>
+      <p:sp>
+        <p:nvSpPr>
+          <p:cNvPr id="8" name="Down Arrow 7"/>
+          <p:cNvSpPr/>
+          <p:nvPr/>
+        </p:nvSpPr>
+        <p:spPr>
+          <a:xfrm rot="10800000">
+            <a:off x="2743200" y="1676400"/>
+            <a:ext cx="381000" cy="762000"/>
+          </a:xfrm>
+          <a:prstGeom prst="downArrow">
+            <a:avLst/>
+          </a:prstGeom>
+        </p:spPr>
+        <p:style>
+          <a:lnRef idx="2">
+            <a:schemeClr val="accent1">
+              <a:shade val="50000"/>
+            </a:schemeClr>
+          </a:lnRef>
+          <a:fillRef idx="1">
+            <a:schemeClr val="accent1"/>
+          </a:fillRef>
+          <a:effectRef idx="0">
+            <a:schemeClr val="accent1"/>
+          </a:effectRef>
+          <a:fontRef idx="minor">
+            <a:schemeClr val="lt1"/>
+          </a:fontRef>
+        </p:style>
+        <p:txBody>
+          <a:bodyPr rtlCol="0" anchor="ctr"/>
+          <a:lstStyle/>
+          <a:p>
+            <a:pPr algn="ctr"/>
+            <a:endParaRPr lang="en-US"/>
+          </a:p>
+        </p:txBody>
+      </p:sp>
+      <p:sp>
+        <p:nvSpPr>
+          <p:cNvPr id="9" name="Down Arrow 8"/>
+          <p:cNvSpPr/>
+          <p:nvPr/>
+        </p:nvSpPr>
+        <p:spPr>
+          <a:xfrm rot="10800000">
+            <a:off x="7315200" y="1676400"/>
+            <a:ext cx="381000" cy="762000"/>
+          </a:xfrm>
+          <a:prstGeom prst="downArrow">
+            <a:avLst/>
+          </a:prstGeom>
+        </p:spPr>
+        <p:style>
+          <a:lnRef idx="2">
+            <a:schemeClr val="accent1">
+              <a:shade val="50000"/>
+            </a:schemeClr>
+          </a:lnRef>
+          <a:fillRef idx="1">
+            <a:schemeClr val="accent1"/>
+          </a:fillRef>
+          <a:effectRef idx="0">
+            <a:schemeClr val="accent1"/>
+          </a:effectRef>
+          <a:fontRef idx="minor">
+            <a:schemeClr val="lt1"/>
+          </a:fontRef>
+        </p:style>
+        <p:txBody>
+          <a:bodyPr rtlCol="0" anchor="ctr"/>
+          <a:lstStyle/>
+          <a:p>
+            <a:pPr algn="ctr"/>
+            <a:endParaRPr lang="en-US"/>
+          </a:p>
+        </p:txBody>
+      </p:sp>
+      <p:sp>
+        <p:nvSpPr>
+          <p:cNvPr id="10" name="Rectangle 9"/>
+          <p:cNvSpPr/>
+          <p:nvPr/>
+        </p:nvSpPr>
+        <p:spPr>
+          <a:xfrm>
+            <a:off x="457200" y="1828800"/>
+            <a:ext cx="914400" cy="304800"/>
+          </a:xfrm>
+          <a:prstGeom prst="rect">
+            <a:avLst/>
+          </a:prstGeom>
+        </p:spPr>
+        <p:style>
+          <a:lnRef idx="2">
+            <a:schemeClr val="accent1">
+              <a:shade val="50000"/>
+            </a:schemeClr>
+          </a:lnRef>
+          <a:fillRef idx="1">
+            <a:schemeClr val="accent1"/>
+          </a:fillRef>
+          <a:effectRef idx="0">
+            <a:schemeClr val="accent1"/>
+          </a:effectRef>
+          <a:fontRef idx="minor">
+            <a:schemeClr val="lt1"/>
+          </a:fontRef>
+        </p:style>
+        <p:txBody>
+          <a:bodyPr rtlCol="0" anchor="ctr"/>
+          <a:lstStyle/>
+          <a:p>
+            <a:pPr algn="ctr"/>
             <a:r>
               <a:rPr lang="en-US" dirty="0" smtClean="0"/>
-              <a:t>The React V-DOM is a JavaScript object</a:t>
-            </a:r>
-          </a:p>
-          <a:p>
+              <a:t>query</a:t>
+            </a:r>
+            <a:endParaRPr lang="en-US" dirty="0"/>
+          </a:p>
+        </p:txBody>
+      </p:sp>
+      <p:sp>
+        <p:nvSpPr>
+          <p:cNvPr id="13" name="Rectangle 12"/>
+          <p:cNvSpPr/>
+          <p:nvPr/>
+        </p:nvSpPr>
+        <p:spPr>
+          <a:xfrm>
+            <a:off x="3276600" y="1828800"/>
+            <a:ext cx="914400" cy="304800"/>
+          </a:xfrm>
+          <a:prstGeom prst="rect">
+            <a:avLst/>
+          </a:prstGeom>
+        </p:spPr>
+        <p:style>
+          <a:lnRef idx="2">
+            <a:schemeClr val="accent1">
+              <a:shade val="50000"/>
+            </a:schemeClr>
+          </a:lnRef>
+          <a:fillRef idx="1">
+            <a:schemeClr val="accent1"/>
+          </a:fillRef>
+          <a:effectRef idx="0">
+            <a:schemeClr val="accent1"/>
+          </a:effectRef>
+          <a:fontRef idx="minor">
+            <a:schemeClr val="lt1"/>
+          </a:fontRef>
+        </p:style>
+        <p:txBody>
+          <a:bodyPr rtlCol="0" anchor="ctr"/>
+          <a:lstStyle/>
+          <a:p>
+            <a:pPr algn="ctr"/>
             <a:r>
               <a:rPr lang="en-US" dirty="0" smtClean="0"/>
-              <a:t>React never read from the “real” DOM</a:t>
-            </a:r>
-          </a:p>
-          <a:p>
+              <a:t>write</a:t>
+            </a:r>
+            <a:endParaRPr lang="en-US" dirty="0"/>
+          </a:p>
+        </p:txBody>
+      </p:sp>
+      <p:sp>
+        <p:nvSpPr>
+          <p:cNvPr id="14" name="Rectangle 13"/>
+          <p:cNvSpPr/>
+          <p:nvPr/>
+        </p:nvSpPr>
+        <p:spPr>
+          <a:xfrm>
+            <a:off x="990600" y="4038600"/>
+            <a:ext cx="7315200" cy="685800"/>
+          </a:xfrm>
+          <a:prstGeom prst="rect">
+            <a:avLst/>
+          </a:prstGeom>
+        </p:spPr>
+        <p:style>
+          <a:lnRef idx="2">
+            <a:schemeClr val="accent1">
+              <a:shade val="50000"/>
+            </a:schemeClr>
+          </a:lnRef>
+          <a:fillRef idx="1">
+            <a:schemeClr val="accent1"/>
+          </a:fillRef>
+          <a:effectRef idx="0">
+            <a:schemeClr val="accent1"/>
+          </a:effectRef>
+          <a:fontRef idx="minor">
+            <a:schemeClr val="lt1"/>
+          </a:fontRef>
+        </p:style>
+        <p:txBody>
+          <a:bodyPr rtlCol="0" anchor="ctr"/>
+          <a:lstStyle/>
+          <a:p>
+            <a:pPr algn="ctr"/>
             <a:r>
               <a:rPr lang="en-US" dirty="0" smtClean="0"/>
-              <a:t>React only write to “real” DOM if required </a:t>
-            </a:r>
-          </a:p>
-          <a:p>
+              <a:t>DOM</a:t>
+            </a:r>
+            <a:endParaRPr lang="en-US" dirty="0"/>
+          </a:p>
+        </p:txBody>
+      </p:sp>
+      <p:sp>
+        <p:nvSpPr>
+          <p:cNvPr id="15" name="Rectangle 14"/>
+          <p:cNvSpPr/>
+          <p:nvPr/>
+        </p:nvSpPr>
+        <p:spPr>
+          <a:xfrm>
+            <a:off x="914400" y="5562600"/>
+            <a:ext cx="7315200" cy="685800"/>
+          </a:xfrm>
+          <a:prstGeom prst="rect">
+            <a:avLst/>
+          </a:prstGeom>
+        </p:spPr>
+        <p:style>
+          <a:lnRef idx="2">
+            <a:schemeClr val="accent1">
+              <a:shade val="50000"/>
+            </a:schemeClr>
+          </a:lnRef>
+          <a:fillRef idx="1">
+            <a:schemeClr val="accent1"/>
+          </a:fillRef>
+          <a:effectRef idx="0">
+            <a:schemeClr val="accent1"/>
+          </a:effectRef>
+          <a:fontRef idx="minor">
+            <a:schemeClr val="lt1"/>
+          </a:fontRef>
+        </p:style>
+        <p:txBody>
+          <a:bodyPr rtlCol="0" anchor="ctr"/>
+          <a:lstStyle/>
+          <a:p>
+            <a:pPr algn="ctr"/>
             <a:r>
               <a:rPr lang="en-US" dirty="0" smtClean="0"/>
-              <a:t>React efficiently handles DOM updates </a:t>
-            </a:r>
-          </a:p>
-          <a:p>
+              <a:t>Backbone/Angular1.x Views </a:t>
+            </a:r>
             <a:endParaRPr lang="en-US" dirty="0"/>
           </a:p>
         </p:txBody>
       </p:sp>
+      <p:sp>
+        <p:nvSpPr>
+          <p:cNvPr id="18" name="Down Arrow 17"/>
+          <p:cNvSpPr/>
+          <p:nvPr/>
+        </p:nvSpPr>
+        <p:spPr>
+          <a:xfrm rot="10800000">
+            <a:off x="3657600" y="4724400"/>
+            <a:ext cx="381000" cy="838200"/>
+          </a:xfrm>
+          <a:prstGeom prst="downArrow">
+            <a:avLst/>
+          </a:prstGeom>
+        </p:spPr>
+        <p:style>
+          <a:lnRef idx="2">
+            <a:schemeClr val="accent1">
+              <a:shade val="50000"/>
+            </a:schemeClr>
+          </a:lnRef>
+          <a:fillRef idx="1">
+            <a:schemeClr val="accent1"/>
+          </a:fillRef>
+          <a:effectRef idx="0">
+            <a:schemeClr val="accent1"/>
+          </a:effectRef>
+          <a:fontRef idx="minor">
+            <a:schemeClr val="lt1"/>
+          </a:fontRef>
+        </p:style>
+        <p:txBody>
+          <a:bodyPr rtlCol="0" anchor="ctr"/>
+          <a:lstStyle/>
+          <a:p>
+            <a:pPr algn="ctr"/>
+            <a:endParaRPr lang="en-US"/>
+          </a:p>
+        </p:txBody>
+      </p:sp>
+      <p:sp>
+        <p:nvSpPr>
+          <p:cNvPr id="19" name="Down Arrow 18"/>
+          <p:cNvSpPr/>
+          <p:nvPr/>
+        </p:nvSpPr>
+        <p:spPr>
+          <a:xfrm rot="10800000">
+            <a:off x="7467600" y="4724400"/>
+            <a:ext cx="381000" cy="838199"/>
+          </a:xfrm>
+          <a:prstGeom prst="downArrow">
+            <a:avLst/>
+          </a:prstGeom>
+        </p:spPr>
+        <p:style>
+          <a:lnRef idx="2">
+            <a:schemeClr val="accent1">
+              <a:shade val="50000"/>
+            </a:schemeClr>
+          </a:lnRef>
+          <a:fillRef idx="1">
+            <a:schemeClr val="accent1"/>
+          </a:fillRef>
+          <a:effectRef idx="0">
+            <a:schemeClr val="accent1"/>
+          </a:effectRef>
+          <a:fontRef idx="minor">
+            <a:schemeClr val="lt1"/>
+          </a:fontRef>
+        </p:style>
+        <p:txBody>
+          <a:bodyPr rtlCol="0" anchor="ctr"/>
+          <a:lstStyle/>
+          <a:p>
+            <a:pPr algn="ctr"/>
+            <a:endParaRPr lang="en-US"/>
+          </a:p>
+        </p:txBody>
+      </p:sp>
+      <p:sp>
+        <p:nvSpPr>
+          <p:cNvPr id="20" name="Rectangle 19"/>
+          <p:cNvSpPr/>
+          <p:nvPr/>
+        </p:nvSpPr>
+        <p:spPr>
+          <a:xfrm>
+            <a:off x="609600" y="5029200"/>
+            <a:ext cx="914400" cy="304800"/>
+          </a:xfrm>
+          <a:prstGeom prst="rect">
+            <a:avLst/>
+          </a:prstGeom>
+        </p:spPr>
+        <p:style>
+          <a:lnRef idx="2">
+            <a:schemeClr val="accent1">
+              <a:shade val="50000"/>
+            </a:schemeClr>
+          </a:lnRef>
+          <a:fillRef idx="1">
+            <a:schemeClr val="accent1"/>
+          </a:fillRef>
+          <a:effectRef idx="0">
+            <a:schemeClr val="accent1"/>
+          </a:effectRef>
+          <a:fontRef idx="minor">
+            <a:schemeClr val="lt1"/>
+          </a:fontRef>
+        </p:style>
+        <p:txBody>
+          <a:bodyPr rtlCol="0" anchor="ctr"/>
+          <a:lstStyle/>
+          <a:p>
+            <a:pPr algn="ctr"/>
+            <a:r>
+              <a:rPr lang="en-US" dirty="0" smtClean="0"/>
+              <a:t>render</a:t>
+            </a:r>
+            <a:endParaRPr lang="en-US" dirty="0"/>
+          </a:p>
+        </p:txBody>
+      </p:sp>
+      <p:sp>
+        <p:nvSpPr>
+          <p:cNvPr id="22" name="Title 1"/>
+          <p:cNvSpPr txBox="1">
+            <a:spLocks/>
+          </p:cNvSpPr>
+          <p:nvPr/>
+        </p:nvSpPr>
+        <p:spPr>
+          <a:xfrm>
+            <a:off x="457200" y="228600"/>
+            <a:ext cx="8229600" cy="457200"/>
+          </a:xfrm>
+          <a:prstGeom prst="rect">
+            <a:avLst/>
+          </a:prstGeom>
+        </p:spPr>
+        <p:txBody>
+          <a:bodyPr vert="horz" lIns="91440" tIns="45720" rIns="91440" bIns="45720" rtlCol="0" anchor="ctr">
+            <a:normAutofit fontScale="62500" lnSpcReduction="20000"/>
+          </a:bodyPr>
+          <a:lstStyle/>
+          <a:p>
+            <a:pPr marL="0" marR="0" lvl="0" indent="0" algn="ctr" defTabSz="914400" rtl="0" eaLnBrk="1" fontAlgn="auto" latinLnBrk="0" hangingPunct="1">
+              <a:lnSpc>
+                <a:spcPct val="100000"/>
+              </a:lnSpc>
+              <a:spcBef>
+                <a:spcPct val="0"/>
+              </a:spcBef>
+              <a:spcAft>
+                <a:spcPts val="0"/>
+              </a:spcAft>
+              <a:buClrTx/>
+              <a:buSzTx/>
+              <a:buFontTx/>
+              <a:buNone/>
+              <a:tabLst/>
+              <a:defRPr/>
+            </a:pPr>
+            <a:r>
+              <a:rPr lang="en-US" sz="4400" b="1" dirty="0" smtClean="0">
+                <a:solidFill>
+                  <a:schemeClr val="tx2">
+                    <a:lumMod val="60000"/>
+                    <a:lumOff val="40000"/>
+                  </a:schemeClr>
+                </a:solidFill>
+                <a:latin typeface="+mj-lt"/>
+                <a:ea typeface="+mj-ea"/>
+                <a:cs typeface="+mj-cs"/>
+              </a:rPr>
+              <a:t>Why slow</a:t>
+            </a:r>
+            <a:endParaRPr kumimoji="0" lang="en-US" sz="4400" b="1" i="0" u="none" strike="noStrike" kern="1200" cap="none" spc="0" normalizeH="0" baseline="0" noProof="0" dirty="0" smtClean="0">
+              <a:ln>
+                <a:noFill/>
+              </a:ln>
+              <a:solidFill>
+                <a:schemeClr val="tx2">
+                  <a:lumMod val="60000"/>
+                  <a:lumOff val="40000"/>
+                </a:schemeClr>
+              </a:solidFill>
+              <a:effectLst/>
+              <a:uLnTx/>
+              <a:uFillTx/>
+              <a:latin typeface="+mj-lt"/>
+              <a:ea typeface="+mj-ea"/>
+              <a:cs typeface="+mj-cs"/>
+            </a:endParaRPr>
+          </a:p>
+        </p:txBody>
+      </p:sp>
+      <p:sp>
+        <p:nvSpPr>
+          <p:cNvPr id="23" name="Down Arrow 22"/>
+          <p:cNvSpPr/>
+          <p:nvPr/>
+        </p:nvSpPr>
+        <p:spPr>
+          <a:xfrm rot="10800000">
+            <a:off x="1752600" y="4724400"/>
+            <a:ext cx="381000" cy="838200"/>
+          </a:xfrm>
+          <a:prstGeom prst="downArrow">
+            <a:avLst/>
+          </a:prstGeom>
+        </p:spPr>
+        <p:style>
+          <a:lnRef idx="2">
+            <a:schemeClr val="accent1">
+              <a:shade val="50000"/>
+            </a:schemeClr>
+          </a:lnRef>
+          <a:fillRef idx="1">
+            <a:schemeClr val="accent1"/>
+          </a:fillRef>
+          <a:effectRef idx="0">
+            <a:schemeClr val="accent1"/>
+          </a:effectRef>
+          <a:fontRef idx="minor">
+            <a:schemeClr val="lt1"/>
+          </a:fontRef>
+        </p:style>
+        <p:txBody>
+          <a:bodyPr rtlCol="0" anchor="ctr"/>
+          <a:lstStyle/>
+          <a:p>
+            <a:pPr algn="ctr"/>
+            <a:endParaRPr lang="en-US"/>
+          </a:p>
+        </p:txBody>
+      </p:sp>
+      <p:sp>
+        <p:nvSpPr>
+          <p:cNvPr id="24" name="Down Arrow 23"/>
+          <p:cNvSpPr/>
+          <p:nvPr/>
+        </p:nvSpPr>
+        <p:spPr>
+          <a:xfrm rot="10800000">
+            <a:off x="5562600" y="4724400"/>
+            <a:ext cx="381000" cy="838200"/>
+          </a:xfrm>
+          <a:prstGeom prst="downArrow">
+            <a:avLst/>
+          </a:prstGeom>
+        </p:spPr>
+        <p:style>
+          <a:lnRef idx="2">
+            <a:schemeClr val="accent1">
+              <a:shade val="50000"/>
+            </a:schemeClr>
+          </a:lnRef>
+          <a:fillRef idx="1">
+            <a:schemeClr val="accent1"/>
+          </a:fillRef>
+          <a:effectRef idx="0">
+            <a:schemeClr val="accent1"/>
+          </a:effectRef>
+          <a:fontRef idx="minor">
+            <a:schemeClr val="lt1"/>
+          </a:fontRef>
+        </p:style>
+        <p:txBody>
+          <a:bodyPr rtlCol="0" anchor="ctr"/>
+          <a:lstStyle/>
+          <a:p>
+            <a:pPr algn="ctr"/>
+            <a:endParaRPr lang="en-US"/>
+          </a:p>
+        </p:txBody>
+      </p:sp>
+      <p:cxnSp>
+        <p:nvCxnSpPr>
+          <p:cNvPr id="27" name="Straight Connector 26"/>
+          <p:cNvCxnSpPr/>
+          <p:nvPr/>
+        </p:nvCxnSpPr>
+        <p:spPr>
+          <a:xfrm>
+            <a:off x="0" y="685800"/>
+            <a:ext cx="9144000" cy="0"/>
+          </a:xfrm>
+          <a:prstGeom prst="line">
+            <a:avLst/>
+          </a:prstGeom>
+        </p:spPr>
+        <p:style>
+          <a:lnRef idx="1">
+            <a:schemeClr val="accent1"/>
+          </a:lnRef>
+          <a:fillRef idx="0">
+            <a:schemeClr val="accent1"/>
+          </a:fillRef>
+          <a:effectRef idx="0">
+            <a:schemeClr val="accent1"/>
+          </a:effectRef>
+          <a:fontRef idx="minor">
+            <a:schemeClr val="tx1"/>
+          </a:fontRef>
+        </p:style>
+      </p:cxnSp>
+      <p:pic>
+        <p:nvPicPr>
+          <p:cNvPr id="28" name="Picture 3" descr="T:\Commercial\IT\Team SLK\Prince\AnjularJS\react.png"/>
+          <p:cNvPicPr>
+            <a:picLocks noChangeAspect="1" noChangeArrowheads="1"/>
+          </p:cNvPicPr>
+          <p:nvPr/>
+        </p:nvPicPr>
+        <p:blipFill>
+          <a:blip r:embed="rId2" cstate="print"/>
+          <a:srcRect/>
+          <a:stretch>
+            <a:fillRect/>
+          </a:stretch>
+        </p:blipFill>
+        <p:spPr bwMode="auto">
+          <a:xfrm>
+            <a:off x="8534401" y="152400"/>
+            <a:ext cx="609599" cy="493485"/>
+          </a:xfrm>
+          <a:prstGeom prst="rect">
+            <a:avLst/>
+          </a:prstGeom>
+          <a:noFill/>
+        </p:spPr>
+      </p:pic>
     </p:spTree>
   </p:cSld>
   <p:clrMapOvr>
@@ -3530,7 +5314,7 @@
         <p:spPr>
           <a:xfrm>
             <a:off x="838200" y="838200"/>
-            <a:ext cx="7315200" cy="685800"/>
+            <a:ext cx="7391400" cy="685800"/>
           </a:xfrm>
           <a:prstGeom prst="rect">
             <a:avLst/>
@@ -3573,8 +5357,8 @@
         </p:nvSpPr>
         <p:spPr>
           <a:xfrm>
-            <a:off x="990600" y="2438400"/>
-            <a:ext cx="7315200" cy="685800"/>
+            <a:off x="838200" y="4267200"/>
+            <a:ext cx="7315200" cy="838200"/>
           </a:xfrm>
           <a:prstGeom prst="rect">
             <a:avLst/>
@@ -3602,12 +5386,8 @@
           <a:p>
             <a:pPr algn="ctr"/>
             <a:r>
-              <a:rPr lang="en-US" dirty="0" err="1" smtClean="0"/>
-              <a:t>JavaScrip</a:t>
-            </a:r>
-            <a:r>
               <a:rPr lang="en-US" dirty="0" smtClean="0"/>
-              <a:t> Logic</a:t>
+              <a:t>JavaScript Logic</a:t>
             </a:r>
             <a:endParaRPr lang="en-US" dirty="0"/>
           </a:p>
@@ -3615,484 +5395,24 @@
       </p:sp>
       <p:sp>
         <p:nvSpPr>
-          <p:cNvPr id="6" name="Down Arrow 5"/>
-          <p:cNvSpPr/>
+          <p:cNvPr id="22" name="Title 1"/>
+          <p:cNvSpPr txBox="1">
+            <a:spLocks/>
+          </p:cNvSpPr>
           <p:nvPr/>
         </p:nvSpPr>
         <p:spPr>
           <a:xfrm>
-            <a:off x="1524000" y="1524000"/>
-            <a:ext cx="381000" cy="762000"/>
-          </a:xfrm>
-          <a:prstGeom prst="downArrow">
-            <a:avLst/>
-          </a:prstGeom>
-        </p:spPr>
-        <p:style>
-          <a:lnRef idx="2">
-            <a:schemeClr val="accent1">
-              <a:shade val="50000"/>
-            </a:schemeClr>
-          </a:lnRef>
-          <a:fillRef idx="1">
-            <a:schemeClr val="accent1"/>
-          </a:fillRef>
-          <a:effectRef idx="0">
-            <a:schemeClr val="accent1"/>
-          </a:effectRef>
-          <a:fontRef idx="minor">
-            <a:schemeClr val="lt1"/>
-          </a:fontRef>
-        </p:style>
-        <p:txBody>
-          <a:bodyPr rtlCol="0" anchor="ctr"/>
-          <a:lstStyle/>
-          <a:p>
-            <a:pPr algn="ctr"/>
-            <a:endParaRPr lang="en-US"/>
-          </a:p>
-        </p:txBody>
-      </p:sp>
-      <p:sp>
-        <p:nvSpPr>
-          <p:cNvPr id="7" name="Down Arrow 6"/>
-          <p:cNvSpPr/>
-          <p:nvPr/>
-        </p:nvSpPr>
-        <p:spPr>
-          <a:xfrm>
-            <a:off x="5029200" y="1524000"/>
-            <a:ext cx="381000" cy="762000"/>
-          </a:xfrm>
-          <a:prstGeom prst="downArrow">
-            <a:avLst/>
-          </a:prstGeom>
-        </p:spPr>
-        <p:style>
-          <a:lnRef idx="2">
-            <a:schemeClr val="accent1">
-              <a:shade val="50000"/>
-            </a:schemeClr>
-          </a:lnRef>
-          <a:fillRef idx="1">
-            <a:schemeClr val="accent1"/>
-          </a:fillRef>
-          <a:effectRef idx="0">
-            <a:schemeClr val="accent1"/>
-          </a:effectRef>
-          <a:fontRef idx="minor">
-            <a:schemeClr val="lt1"/>
-          </a:fontRef>
-        </p:style>
-        <p:txBody>
-          <a:bodyPr rtlCol="0" anchor="ctr"/>
-          <a:lstStyle/>
-          <a:p>
-            <a:pPr algn="ctr"/>
-            <a:endParaRPr lang="en-US"/>
-          </a:p>
-        </p:txBody>
-      </p:sp>
-      <p:sp>
-        <p:nvSpPr>
-          <p:cNvPr id="8" name="Down Arrow 7"/>
-          <p:cNvSpPr/>
-          <p:nvPr/>
-        </p:nvSpPr>
-        <p:spPr>
-          <a:xfrm rot="10800000">
-            <a:off x="2743200" y="1676400"/>
-            <a:ext cx="381000" cy="762000"/>
-          </a:xfrm>
-          <a:prstGeom prst="downArrow">
-            <a:avLst/>
-          </a:prstGeom>
-        </p:spPr>
-        <p:style>
-          <a:lnRef idx="2">
-            <a:schemeClr val="accent1">
-              <a:shade val="50000"/>
-            </a:schemeClr>
-          </a:lnRef>
-          <a:fillRef idx="1">
-            <a:schemeClr val="accent1"/>
-          </a:fillRef>
-          <a:effectRef idx="0">
-            <a:schemeClr val="accent1"/>
-          </a:effectRef>
-          <a:fontRef idx="minor">
-            <a:schemeClr val="lt1"/>
-          </a:fontRef>
-        </p:style>
-        <p:txBody>
-          <a:bodyPr rtlCol="0" anchor="ctr"/>
-          <a:lstStyle/>
-          <a:p>
-            <a:pPr algn="ctr"/>
-            <a:endParaRPr lang="en-US"/>
-          </a:p>
-        </p:txBody>
-      </p:sp>
-      <p:sp>
-        <p:nvSpPr>
-          <p:cNvPr id="9" name="Down Arrow 8"/>
-          <p:cNvSpPr/>
-          <p:nvPr/>
-        </p:nvSpPr>
-        <p:spPr>
-          <a:xfrm rot="10800000">
-            <a:off x="7315200" y="1676400"/>
-            <a:ext cx="381000" cy="762000"/>
-          </a:xfrm>
-          <a:prstGeom prst="downArrow">
-            <a:avLst/>
-          </a:prstGeom>
-        </p:spPr>
-        <p:style>
-          <a:lnRef idx="2">
-            <a:schemeClr val="accent1">
-              <a:shade val="50000"/>
-            </a:schemeClr>
-          </a:lnRef>
-          <a:fillRef idx="1">
-            <a:schemeClr val="accent1"/>
-          </a:fillRef>
-          <a:effectRef idx="0">
-            <a:schemeClr val="accent1"/>
-          </a:effectRef>
-          <a:fontRef idx="minor">
-            <a:schemeClr val="lt1"/>
-          </a:fontRef>
-        </p:style>
-        <p:txBody>
-          <a:bodyPr rtlCol="0" anchor="ctr"/>
-          <a:lstStyle/>
-          <a:p>
-            <a:pPr algn="ctr"/>
-            <a:endParaRPr lang="en-US"/>
-          </a:p>
-        </p:txBody>
-      </p:sp>
-      <p:sp>
-        <p:nvSpPr>
-          <p:cNvPr id="10" name="Rectangle 9"/>
-          <p:cNvSpPr/>
-          <p:nvPr/>
-        </p:nvSpPr>
-        <p:spPr>
-          <a:xfrm>
-            <a:off x="457200" y="1828800"/>
-            <a:ext cx="914400" cy="304800"/>
+            <a:off x="457200" y="228600"/>
+            <a:ext cx="8229600" cy="639762"/>
           </a:xfrm>
           <a:prstGeom prst="rect">
             <a:avLst/>
           </a:prstGeom>
         </p:spPr>
-        <p:style>
-          <a:lnRef idx="2">
-            <a:schemeClr val="accent1">
-              <a:shade val="50000"/>
-            </a:schemeClr>
-          </a:lnRef>
-          <a:fillRef idx="1">
-            <a:schemeClr val="accent1"/>
-          </a:fillRef>
-          <a:effectRef idx="0">
-            <a:schemeClr val="accent1"/>
-          </a:effectRef>
-          <a:fontRef idx="minor">
-            <a:schemeClr val="lt1"/>
-          </a:fontRef>
-        </p:style>
-        <p:txBody>
-          <a:bodyPr rtlCol="0" anchor="ctr"/>
-          <a:lstStyle/>
-          <a:p>
-            <a:pPr algn="ctr"/>
-            <a:r>
-              <a:rPr lang="en-US" dirty="0" smtClean="0"/>
-              <a:t>query</a:t>
-            </a:r>
-            <a:endParaRPr lang="en-US" dirty="0"/>
-          </a:p>
-        </p:txBody>
-      </p:sp>
-      <p:sp>
-        <p:nvSpPr>
-          <p:cNvPr id="13" name="Rectangle 12"/>
-          <p:cNvSpPr/>
-          <p:nvPr/>
-        </p:nvSpPr>
-        <p:spPr>
-          <a:xfrm>
-            <a:off x="3276600" y="1828800"/>
-            <a:ext cx="914400" cy="304800"/>
-          </a:xfrm>
-          <a:prstGeom prst="rect">
-            <a:avLst/>
-          </a:prstGeom>
-        </p:spPr>
-        <p:style>
-          <a:lnRef idx="2">
-            <a:schemeClr val="accent1">
-              <a:shade val="50000"/>
-            </a:schemeClr>
-          </a:lnRef>
-          <a:fillRef idx="1">
-            <a:schemeClr val="accent1"/>
-          </a:fillRef>
-          <a:effectRef idx="0">
-            <a:schemeClr val="accent1"/>
-          </a:effectRef>
-          <a:fontRef idx="minor">
-            <a:schemeClr val="lt1"/>
-          </a:fontRef>
-        </p:style>
-        <p:txBody>
-          <a:bodyPr rtlCol="0" anchor="ctr"/>
-          <a:lstStyle/>
-          <a:p>
-            <a:pPr algn="ctr"/>
-            <a:r>
-              <a:rPr lang="en-US" dirty="0" smtClean="0"/>
-              <a:t>write</a:t>
-            </a:r>
-            <a:endParaRPr lang="en-US" dirty="0"/>
-          </a:p>
-        </p:txBody>
-      </p:sp>
-      <p:sp>
-        <p:nvSpPr>
-          <p:cNvPr id="14" name="Rectangle 13"/>
-          <p:cNvSpPr/>
-          <p:nvPr/>
-        </p:nvSpPr>
-        <p:spPr>
-          <a:xfrm>
-            <a:off x="990600" y="4038600"/>
-            <a:ext cx="7315200" cy="685800"/>
-          </a:xfrm>
-          <a:prstGeom prst="rect">
-            <a:avLst/>
-          </a:prstGeom>
-        </p:spPr>
-        <p:style>
-          <a:lnRef idx="2">
-            <a:schemeClr val="accent1">
-              <a:shade val="50000"/>
-            </a:schemeClr>
-          </a:lnRef>
-          <a:fillRef idx="1">
-            <a:schemeClr val="accent1"/>
-          </a:fillRef>
-          <a:effectRef idx="0">
-            <a:schemeClr val="accent1"/>
-          </a:effectRef>
-          <a:fontRef idx="minor">
-            <a:schemeClr val="lt1"/>
-          </a:fontRef>
-        </p:style>
-        <p:txBody>
-          <a:bodyPr rtlCol="0" anchor="ctr"/>
-          <a:lstStyle/>
-          <a:p>
-            <a:pPr algn="ctr"/>
-            <a:r>
-              <a:rPr lang="en-US" dirty="0" smtClean="0"/>
-              <a:t>DOM</a:t>
-            </a:r>
-            <a:endParaRPr lang="en-US" dirty="0"/>
-          </a:p>
-        </p:txBody>
-      </p:sp>
-      <p:sp>
-        <p:nvSpPr>
-          <p:cNvPr id="15" name="Rectangle 14"/>
-          <p:cNvSpPr/>
-          <p:nvPr/>
-        </p:nvSpPr>
-        <p:spPr>
-          <a:xfrm>
-            <a:off x="914400" y="5562600"/>
-            <a:ext cx="7315200" cy="685800"/>
-          </a:xfrm>
-          <a:prstGeom prst="rect">
-            <a:avLst/>
-          </a:prstGeom>
-        </p:spPr>
-        <p:style>
-          <a:lnRef idx="2">
-            <a:schemeClr val="accent1">
-              <a:shade val="50000"/>
-            </a:schemeClr>
-          </a:lnRef>
-          <a:fillRef idx="1">
-            <a:schemeClr val="accent1"/>
-          </a:fillRef>
-          <a:effectRef idx="0">
-            <a:schemeClr val="accent1"/>
-          </a:effectRef>
-          <a:fontRef idx="minor">
-            <a:schemeClr val="lt1"/>
-          </a:fontRef>
-        </p:style>
-        <p:txBody>
-          <a:bodyPr rtlCol="0" anchor="ctr"/>
-          <a:lstStyle/>
-          <a:p>
-            <a:pPr algn="ctr"/>
-            <a:r>
-              <a:rPr lang="en-US" dirty="0" smtClean="0"/>
-              <a:t>Backbone/Angular1.x Views </a:t>
-            </a:r>
-            <a:endParaRPr lang="en-US" dirty="0"/>
-          </a:p>
-        </p:txBody>
-      </p:sp>
-      <p:sp>
-        <p:nvSpPr>
-          <p:cNvPr id="18" name="Down Arrow 17"/>
-          <p:cNvSpPr/>
-          <p:nvPr/>
-        </p:nvSpPr>
-        <p:spPr>
-          <a:xfrm rot="10800000">
-            <a:off x="3657600" y="4724400"/>
-            <a:ext cx="381000" cy="762000"/>
-          </a:xfrm>
-          <a:prstGeom prst="downArrow">
-            <a:avLst/>
-          </a:prstGeom>
-        </p:spPr>
-        <p:style>
-          <a:lnRef idx="2">
-            <a:schemeClr val="accent1">
-              <a:shade val="50000"/>
-            </a:schemeClr>
-          </a:lnRef>
-          <a:fillRef idx="1">
-            <a:schemeClr val="accent1"/>
-          </a:fillRef>
-          <a:effectRef idx="0">
-            <a:schemeClr val="accent1"/>
-          </a:effectRef>
-          <a:fontRef idx="minor">
-            <a:schemeClr val="lt1"/>
-          </a:fontRef>
-        </p:style>
-        <p:txBody>
-          <a:bodyPr rtlCol="0" anchor="ctr"/>
-          <a:lstStyle/>
-          <a:p>
-            <a:pPr algn="ctr"/>
-            <a:endParaRPr lang="en-US"/>
-          </a:p>
-        </p:txBody>
-      </p:sp>
-      <p:sp>
-        <p:nvSpPr>
-          <p:cNvPr id="19" name="Down Arrow 18"/>
-          <p:cNvSpPr/>
-          <p:nvPr/>
-        </p:nvSpPr>
-        <p:spPr>
-          <a:xfrm rot="10800000">
-            <a:off x="7467600" y="4800599"/>
-            <a:ext cx="381000" cy="762000"/>
-          </a:xfrm>
-          <a:prstGeom prst="downArrow">
-            <a:avLst/>
-          </a:prstGeom>
-        </p:spPr>
-        <p:style>
-          <a:lnRef idx="2">
-            <a:schemeClr val="accent1">
-              <a:shade val="50000"/>
-            </a:schemeClr>
-          </a:lnRef>
-          <a:fillRef idx="1">
-            <a:schemeClr val="accent1"/>
-          </a:fillRef>
-          <a:effectRef idx="0">
-            <a:schemeClr val="accent1"/>
-          </a:effectRef>
-          <a:fontRef idx="minor">
-            <a:schemeClr val="lt1"/>
-          </a:fontRef>
-        </p:style>
-        <p:txBody>
-          <a:bodyPr rtlCol="0" anchor="ctr"/>
-          <a:lstStyle/>
-          <a:p>
-            <a:pPr algn="ctr"/>
-            <a:endParaRPr lang="en-US"/>
-          </a:p>
-        </p:txBody>
-      </p:sp>
-      <p:sp>
-        <p:nvSpPr>
-          <p:cNvPr id="20" name="Rectangle 19"/>
-          <p:cNvSpPr/>
-          <p:nvPr/>
-        </p:nvSpPr>
-        <p:spPr>
-          <a:xfrm>
-            <a:off x="609600" y="5029200"/>
-            <a:ext cx="914400" cy="304800"/>
-          </a:xfrm>
-          <a:prstGeom prst="rect">
-            <a:avLst/>
-          </a:prstGeom>
-        </p:spPr>
-        <p:style>
-          <a:lnRef idx="2">
-            <a:schemeClr val="accent1">
-              <a:shade val="50000"/>
-            </a:schemeClr>
-          </a:lnRef>
-          <a:fillRef idx="1">
-            <a:schemeClr val="accent1"/>
-          </a:fillRef>
-          <a:effectRef idx="0">
-            <a:schemeClr val="accent1"/>
-          </a:effectRef>
-          <a:fontRef idx="minor">
-            <a:schemeClr val="lt1"/>
-          </a:fontRef>
-        </p:style>
-        <p:txBody>
-          <a:bodyPr rtlCol="0" anchor="ctr"/>
-          <a:lstStyle/>
-          <a:p>
-            <a:pPr algn="ctr"/>
-            <a:r>
-              <a:rPr lang="en-US" dirty="0" smtClean="0"/>
-              <a:t>render</a:t>
-            </a:r>
-            <a:endParaRPr lang="en-US" dirty="0"/>
-          </a:p>
-        </p:txBody>
-      </p:sp>
-      <p:sp>
-        <p:nvSpPr>
-          <p:cNvPr id="22" name="Title 1"/>
-          <p:cNvSpPr txBox="1">
-            <a:spLocks/>
-          </p:cNvSpPr>
-          <p:nvPr/>
-        </p:nvSpPr>
-        <p:spPr>
-          <a:xfrm>
-            <a:off x="457200" y="228600"/>
-            <a:ext cx="8229600" cy="639762"/>
-          </a:xfrm>
-          <a:prstGeom prst="rect">
-            <a:avLst/>
-          </a:prstGeom>
-        </p:spPr>
         <p:txBody>
           <a:bodyPr vert="horz" lIns="91440" tIns="45720" rIns="91440" bIns="45720" rtlCol="0" anchor="ctr">
-            <a:normAutofit fontScale="92500" lnSpcReduction="20000"/>
+            <a:normAutofit/>
           </a:bodyPr>
           <a:lstStyle/>
           <a:p>
@@ -4114,19 +5434,56 @@
               <a:defRPr/>
             </a:pPr>
             <a:r>
-              <a:rPr lang="en-US" sz="4400" dirty="0" smtClean="0">
+              <a:rPr lang="en-US" sz="2800" b="1" dirty="0" smtClean="0">
+                <a:solidFill>
+                  <a:schemeClr val="tx2">
+                    <a:lumMod val="60000"/>
+                    <a:lumOff val="40000"/>
+                  </a:schemeClr>
+                </a:solidFill>
                 <a:latin typeface="+mj-lt"/>
                 <a:ea typeface="+mj-ea"/>
                 <a:cs typeface="+mj-cs"/>
               </a:rPr>
-              <a:t>Why slowdown</a:t>
-            </a:r>
-            <a:endParaRPr kumimoji="0" lang="en-US" sz="4400" b="0" i="0" u="none" strike="noStrike" kern="1200" cap="none" spc="0" normalizeH="0" baseline="0" noProof="0" dirty="0" smtClean="0">
+              <a:t>Why </a:t>
+            </a:r>
+            <a:r>
+              <a:rPr lang="en-US" sz="2800" b="1" dirty="0" err="1" smtClean="0">
+                <a:solidFill>
+                  <a:schemeClr val="tx2">
+                    <a:lumMod val="60000"/>
+                    <a:lumOff val="40000"/>
+                  </a:schemeClr>
+                </a:solidFill>
+                <a:latin typeface="+mj-lt"/>
+                <a:ea typeface="+mj-ea"/>
+                <a:cs typeface="+mj-cs"/>
+              </a:rPr>
+              <a:t>ReactJS</a:t>
+            </a:r>
+            <a:r>
+              <a:rPr lang="en-US" sz="2800" b="1" dirty="0" smtClean="0">
+                <a:solidFill>
+                  <a:schemeClr val="tx2">
+                    <a:lumMod val="60000"/>
+                    <a:lumOff val="40000"/>
+                  </a:schemeClr>
+                </a:solidFill>
+                <a:latin typeface="+mj-lt"/>
+                <a:ea typeface="+mj-ea"/>
+                <a:cs typeface="+mj-cs"/>
+              </a:rPr>
+              <a:t> is fast</a:t>
+            </a:r>
+            <a:endParaRPr kumimoji="0" lang="en-US" sz="2800" b="1" i="0" u="none" strike="noStrike" kern="1200" cap="none" spc="0" normalizeH="0" baseline="0" noProof="0" dirty="0" smtClean="0">
               <a:ln>
                 <a:noFill/>
               </a:ln>
               <a:solidFill>
-                <a:schemeClr val="tx1"/>
+                <a:schemeClr val="tx2">
+                  <a:lumMod val="60000"/>
+                  <a:lumOff val="40000"/>
+                </a:schemeClr>
               </a:solidFill>
               <a:effectLst/>
               <a:uLnTx/>
@@ -4140,16 +5497,16 @@
       </p:sp>
       <p:sp>
         <p:nvSpPr>
-          <p:cNvPr id="23" name="Down Arrow 22"/>
+          <p:cNvPr id="21" name="Rectangle 20"/>
           <p:cNvSpPr/>
           <p:nvPr/>
         </p:nvSpPr>
         <p:spPr>
-          <a:xfrm rot="10800000">
-            <a:off x="1752600" y="4800600"/>
-            <a:ext cx="381000" cy="762000"/>
-          </a:xfrm>
-          <a:prstGeom prst="downArrow">
+          <a:xfrm>
+            <a:off x="762000" y="2286000"/>
+            <a:ext cx="7391400" cy="1143000"/>
+          </a:xfrm>
+          <a:prstGeom prst="rect">
             <a:avLst/>
           </a:prstGeom>
         </p:spPr>
@@ -4174,22 +5531,26 @@
           <a:lstStyle/>
           <a:p>
             <a:pPr algn="ctr"/>
-            <a:endParaRPr lang="en-US"/>
-          </a:p>
-        </p:txBody>
-      </p:sp>
-      <p:sp>
-        <p:nvSpPr>
-          <p:cNvPr id="24" name="Down Arrow 23"/>
+            <a:r>
+              <a:rPr lang="en-US" dirty="0" smtClean="0"/>
+              <a:t>React Virtual DOM</a:t>
+            </a:r>
+            <a:endParaRPr lang="en-US" dirty="0"/>
+          </a:p>
+        </p:txBody>
+      </p:sp>
+      <p:sp>
+        <p:nvSpPr>
+          <p:cNvPr id="25" name="Rectangle 24"/>
           <p:cNvSpPr/>
           <p:nvPr/>
         </p:nvSpPr>
         <p:spPr>
-          <a:xfrm rot="10800000">
-            <a:off x="5562600" y="4724400"/>
-            <a:ext cx="381000" cy="762000"/>
-          </a:xfrm>
-          <a:prstGeom prst="downArrow">
+          <a:xfrm>
+            <a:off x="304800" y="1752600"/>
+            <a:ext cx="1219200" cy="304800"/>
+          </a:xfrm>
+          <a:prstGeom prst="rect">
             <a:avLst/>
           </a:prstGeom>
         </p:spPr>
@@ -4214,10 +5575,318 @@
           <a:lstStyle/>
           <a:p>
             <a:pPr algn="ctr"/>
+            <a:r>
+              <a:rPr lang="en-US" dirty="0" smtClean="0"/>
+              <a:t>render</a:t>
+            </a:r>
+            <a:endParaRPr lang="en-US" dirty="0"/>
+          </a:p>
+        </p:txBody>
+      </p:sp>
+      <p:sp>
+        <p:nvSpPr>
+          <p:cNvPr id="26" name="Down Arrow 25"/>
+          <p:cNvSpPr/>
+          <p:nvPr/>
+        </p:nvSpPr>
+        <p:spPr>
+          <a:xfrm>
+            <a:off x="4038600" y="1524000"/>
+            <a:ext cx="304800" cy="762000"/>
+          </a:xfrm>
+          <a:prstGeom prst="downArrow">
+            <a:avLst/>
+          </a:prstGeom>
+        </p:spPr>
+        <p:style>
+          <a:lnRef idx="2">
+            <a:schemeClr val="accent1">
+              <a:shade val="50000"/>
+            </a:schemeClr>
+          </a:lnRef>
+          <a:fillRef idx="1">
+            <a:schemeClr val="accent1"/>
+          </a:fillRef>
+          <a:effectRef idx="0">
+            <a:schemeClr val="accent1"/>
+          </a:effectRef>
+          <a:fontRef idx="minor">
+            <a:schemeClr val="lt1"/>
+          </a:fontRef>
+        </p:style>
+        <p:txBody>
+          <a:bodyPr rtlCol="0" anchor="ctr"/>
+          <a:lstStyle/>
+          <a:p>
+            <a:pPr algn="ctr"/>
             <a:endParaRPr lang="en-US"/>
           </a:p>
         </p:txBody>
       </p:sp>
+      <p:sp>
+        <p:nvSpPr>
+          <p:cNvPr id="27" name="Down Arrow 26"/>
+          <p:cNvSpPr/>
+          <p:nvPr/>
+        </p:nvSpPr>
+        <p:spPr>
+          <a:xfrm>
+            <a:off x="4038600" y="3429000"/>
+            <a:ext cx="381000" cy="838200"/>
+          </a:xfrm>
+          <a:prstGeom prst="downArrow">
+            <a:avLst/>
+          </a:prstGeom>
+        </p:spPr>
+        <p:style>
+          <a:lnRef idx="2">
+            <a:schemeClr val="accent1">
+              <a:shade val="50000"/>
+            </a:schemeClr>
+          </a:lnRef>
+          <a:fillRef idx="1">
+            <a:schemeClr val="accent1"/>
+          </a:fillRef>
+          <a:effectRef idx="0">
+            <a:schemeClr val="accent1"/>
+          </a:effectRef>
+          <a:fontRef idx="minor">
+            <a:schemeClr val="lt1"/>
+          </a:fontRef>
+        </p:style>
+        <p:txBody>
+          <a:bodyPr rtlCol="0" anchor="ctr"/>
+          <a:lstStyle/>
+          <a:p>
+            <a:pPr algn="ctr"/>
+            <a:endParaRPr lang="en-US"/>
+          </a:p>
+        </p:txBody>
+      </p:sp>
+      <p:sp>
+        <p:nvSpPr>
+          <p:cNvPr id="30" name="Down Arrow 29"/>
+          <p:cNvSpPr/>
+          <p:nvPr/>
+        </p:nvSpPr>
+        <p:spPr>
+          <a:xfrm rot="10800000">
+            <a:off x="2362200" y="3429000"/>
+            <a:ext cx="381000" cy="838200"/>
+          </a:xfrm>
+          <a:prstGeom prst="downArrow">
+            <a:avLst/>
+          </a:prstGeom>
+        </p:spPr>
+        <p:style>
+          <a:lnRef idx="2">
+            <a:schemeClr val="accent1">
+              <a:shade val="50000"/>
+            </a:schemeClr>
+          </a:lnRef>
+          <a:fillRef idx="1">
+            <a:schemeClr val="accent1"/>
+          </a:fillRef>
+          <a:effectRef idx="0">
+            <a:schemeClr val="accent1"/>
+          </a:effectRef>
+          <a:fontRef idx="minor">
+            <a:schemeClr val="lt1"/>
+          </a:fontRef>
+        </p:style>
+        <p:txBody>
+          <a:bodyPr rtlCol="0" anchor="ctr"/>
+          <a:lstStyle/>
+          <a:p>
+            <a:pPr algn="ctr"/>
+            <a:endParaRPr lang="en-US"/>
+          </a:p>
+        </p:txBody>
+      </p:sp>
+      <p:sp>
+        <p:nvSpPr>
+          <p:cNvPr id="31" name="Down Arrow 30"/>
+          <p:cNvSpPr/>
+          <p:nvPr/>
+        </p:nvSpPr>
+        <p:spPr>
+          <a:xfrm rot="10800000">
+            <a:off x="5486400" y="3429000"/>
+            <a:ext cx="304800" cy="838200"/>
+          </a:xfrm>
+          <a:prstGeom prst="downArrow">
+            <a:avLst/>
+          </a:prstGeom>
+        </p:spPr>
+        <p:style>
+          <a:lnRef idx="2">
+            <a:schemeClr val="accent1">
+              <a:shade val="50000"/>
+            </a:schemeClr>
+          </a:lnRef>
+          <a:fillRef idx="1">
+            <a:schemeClr val="accent1"/>
+          </a:fillRef>
+          <a:effectRef idx="0">
+            <a:schemeClr val="accent1"/>
+          </a:effectRef>
+          <a:fontRef idx="minor">
+            <a:schemeClr val="lt1"/>
+          </a:fontRef>
+        </p:style>
+        <p:txBody>
+          <a:bodyPr rtlCol="0" anchor="ctr"/>
+          <a:lstStyle/>
+          <a:p>
+            <a:pPr algn="ctr"/>
+            <a:endParaRPr lang="en-US"/>
+          </a:p>
+        </p:txBody>
+      </p:sp>
+      <p:sp>
+        <p:nvSpPr>
+          <p:cNvPr id="34" name="Rectangle 33"/>
+          <p:cNvSpPr/>
+          <p:nvPr/>
+        </p:nvSpPr>
+        <p:spPr>
+          <a:xfrm>
+            <a:off x="228600" y="3657600"/>
+            <a:ext cx="1752600" cy="304800"/>
+          </a:xfrm>
+          <a:prstGeom prst="rect">
+            <a:avLst/>
+          </a:prstGeom>
+        </p:spPr>
+        <p:style>
+          <a:lnRef idx="2">
+            <a:schemeClr val="accent1">
+              <a:shade val="50000"/>
+            </a:schemeClr>
+          </a:lnRef>
+          <a:fillRef idx="1">
+            <a:schemeClr val="accent1"/>
+          </a:fillRef>
+          <a:effectRef idx="0">
+            <a:schemeClr val="accent1"/>
+          </a:effectRef>
+          <a:fontRef idx="minor">
+            <a:schemeClr val="lt1"/>
+          </a:fontRef>
+        </p:style>
+        <p:txBody>
+          <a:bodyPr rtlCol="0" anchor="ctr"/>
+          <a:lstStyle/>
+          <a:p>
+            <a:pPr algn="ctr"/>
+            <a:r>
+              <a:rPr lang="en-US" dirty="0" err="1" smtClean="0"/>
+              <a:t>getDOMNode</a:t>
+            </a:r>
+            <a:r>
+              <a:rPr lang="en-US" dirty="0" smtClean="0"/>
+              <a:t>()</a:t>
+            </a:r>
+            <a:endParaRPr lang="en-US" dirty="0"/>
+          </a:p>
+        </p:txBody>
+      </p:sp>
+      <p:sp>
+        <p:nvSpPr>
+          <p:cNvPr id="13" name="Down Arrow 12"/>
+          <p:cNvSpPr/>
+          <p:nvPr/>
+        </p:nvSpPr>
+        <p:spPr>
+          <a:xfrm rot="10800000">
+            <a:off x="5486400" y="1524000"/>
+            <a:ext cx="304800" cy="762000"/>
+          </a:xfrm>
+          <a:prstGeom prst="downArrow">
+            <a:avLst/>
+          </a:prstGeom>
+        </p:spPr>
+        <p:style>
+          <a:lnRef idx="2">
+            <a:schemeClr val="accent1">
+              <a:shade val="50000"/>
+            </a:schemeClr>
+          </a:lnRef>
+          <a:fillRef idx="1">
+            <a:schemeClr val="accent1"/>
+          </a:fillRef>
+          <a:effectRef idx="0">
+            <a:schemeClr val="accent1"/>
+          </a:effectRef>
+          <a:fontRef idx="minor">
+            <a:schemeClr val="lt1"/>
+          </a:fontRef>
+        </p:style>
+        <p:txBody>
+          <a:bodyPr rtlCol="0" anchor="ctr"/>
+          <a:lstStyle/>
+          <a:p>
+            <a:pPr algn="ctr"/>
+            <a:endParaRPr lang="en-US"/>
+          </a:p>
+        </p:txBody>
+      </p:sp>
+      <p:cxnSp>
+        <p:nvCxnSpPr>
+          <p:cNvPr id="16" name="Straight Connector 15"/>
+          <p:cNvCxnSpPr/>
+          <p:nvPr/>
+        </p:nvCxnSpPr>
+        <p:spPr>
+          <a:xfrm>
+            <a:off x="0" y="685800"/>
+            <a:ext cx="9144000" cy="76200"/>
+          </a:xfrm>
+          <a:prstGeom prst="line">
+            <a:avLst/>
+          </a:prstGeom>
+        </p:spPr>
+        <p:style>
+          <a:lnRef idx="1">
+            <a:schemeClr val="accent1"/>
+          </a:lnRef>
+          <a:fillRef idx="0">
+            <a:schemeClr val="accent1"/>
+          </a:fillRef>
+          <a:effectRef idx="0">
+            <a:schemeClr val="accent1"/>
+          </a:effectRef>
+          <a:fontRef idx="minor">
+            <a:schemeClr val="tx1"/>
+          </a:fontRef>
+        </p:style>
+      </p:cxnSp>
+      <p:pic>
+        <p:nvPicPr>
+          <p:cNvPr id="17" name="Picture 3" descr="T:\Commercial\IT\Team SLK\Prince\AnjularJS\react.png"/>
+          <p:cNvPicPr>
+            <a:picLocks noChangeAspect="1" noChangeArrowheads="1"/>
+          </p:cNvPicPr>
+          <p:nvPr/>
+        </p:nvPicPr>
+        <p:blipFill>
+          <a:blip r:embed="rId2" cstate="print"/>
+          <a:srcRect/>
+          <a:stretch>
+            <a:fillRect/>
+          </a:stretch>
+        </p:blipFill>
+        <p:spPr bwMode="auto">
+          <a:xfrm>
+            <a:off x="8534401" y="268515"/>
+            <a:ext cx="609599" cy="493485"/>
+          </a:xfrm>
+          <a:prstGeom prst="rect">
+            <a:avLst/>
+          </a:prstGeom>
+          <a:noFill/>
+        </p:spPr>
+      </p:pic>
     </p:spTree>
   </p:cSld>
   <p:clrMapOvr>
@@ -4243,50 +5912,38 @@
           <a:chExt cx="0" cy="0"/>
         </a:xfrm>
       </p:grpSpPr>
-      <p:sp>
-        <p:nvSpPr>
-          <p:cNvPr id="4" name="Rectangle 3"/>
-          <p:cNvSpPr/>
+      <p:pic>
+        <p:nvPicPr>
+          <p:cNvPr id="1026" name="Picture 2"/>
+          <p:cNvPicPr>
+            <a:picLocks noChangeAspect="1" noChangeArrowheads="1"/>
+          </p:cNvPicPr>
           <p:nvPr/>
-        </p:nvSpPr>
-        <p:spPr>
-          <a:xfrm>
-            <a:off x="838200" y="838200"/>
-            <a:ext cx="7391400" cy="685800"/>
+        </p:nvPicPr>
+        <p:blipFill>
+          <a:blip r:embed="rId2" cstate="print"/>
+          <a:srcRect/>
+          <a:stretch>
+            <a:fillRect/>
+          </a:stretch>
+        </p:blipFill>
+        <p:spPr bwMode="auto">
+          <a:xfrm>
+            <a:off x="1219200" y="838200"/>
+            <a:ext cx="6772275" cy="5486400"/>
           </a:xfrm>
           <a:prstGeom prst="rect">
             <a:avLst/>
           </a:prstGeom>
-        </p:spPr>
-        <p:style>
-          <a:lnRef idx="2">
-            <a:schemeClr val="accent1">
-              <a:shade val="50000"/>
-            </a:schemeClr>
-          </a:lnRef>
-          <a:fillRef idx="1">
-            <a:schemeClr val="accent1"/>
-          </a:fillRef>
-          <a:effectRef idx="0">
-            <a:schemeClr val="accent1"/>
-          </a:effectRef>
-          <a:fontRef idx="minor">
-            <a:schemeClr val="lt1"/>
-          </a:fontRef>
-        </p:style>
-        <p:txBody>
-          <a:bodyPr rtlCol="0" anchor="ctr"/>
-          <a:lstStyle/>
-          <a:p>
-            <a:pPr algn="ctr"/>
-            <a:r>
-              <a:rPr lang="en-US" dirty="0" smtClean="0"/>
-              <a:t>DOM</a:t>
-            </a:r>
-            <a:endParaRPr lang="en-US" dirty="0"/>
-          </a:p>
-        </p:txBody>
-      </p:sp>
+          <a:noFill/>
+          <a:ln w="9525">
+            <a:noFill/>
+            <a:miter lim="800000"/>
+            <a:headEnd/>
+            <a:tailEnd/>
+          </a:ln>
+        </p:spPr>
+      </p:pic>
       <p:sp>
         <p:nvSpPr>
           <p:cNvPr id="5" name="Rectangle 4"/>
@@ -4295,447 +5952,143 @@
         </p:nvSpPr>
         <p:spPr>
           <a:xfrm>
-            <a:off x="838200" y="4267200"/>
-            <a:ext cx="7315200" cy="838200"/>
+            <a:off x="2667000" y="6324600"/>
+            <a:ext cx="4189288" cy="646331"/>
           </a:xfrm>
           <a:prstGeom prst="rect">
             <a:avLst/>
           </a:prstGeom>
         </p:spPr>
+        <p:txBody>
+          <a:bodyPr wrap="none">
+            <a:spAutoFit/>
+          </a:bodyPr>
+          <a:lstStyle/>
+          <a:p>
+            <a:r>
+              <a:rPr lang="en-US" dirty="0" smtClean="0">
+                <a:hlinkClick r:id="rId3"/>
+              </a:rPr>
+              <a:t>https://wappalyzer.com/applications/react</a:t>
+            </a:r>
+            <a:endParaRPr lang="en-US" dirty="0" smtClean="0"/>
+          </a:p>
+          <a:p>
+            <a:endParaRPr lang="en-US" dirty="0"/>
+          </a:p>
+        </p:txBody>
+      </p:sp>
+      <p:sp>
+        <p:nvSpPr>
+          <p:cNvPr id="6" name="Title 1"/>
+          <p:cNvSpPr>
+            <a:spLocks noGrp="1"/>
+          </p:cNvSpPr>
+          <p:nvPr>
+            <p:ph type="title"/>
+          </p:nvPr>
+        </p:nvSpPr>
+        <p:spPr>
+          <a:xfrm>
+            <a:off x="457200" y="274638"/>
+            <a:ext cx="8229600" cy="563562"/>
+          </a:xfrm>
+        </p:spPr>
+        <p:txBody>
+          <a:bodyPr>
+            <a:normAutofit/>
+          </a:bodyPr>
+          <a:lstStyle/>
+          <a:p>
+            <a:r>
+              <a:rPr lang="en-US" sz="2800" b="1" dirty="0" err="1" smtClean="0">
+                <a:solidFill>
+                  <a:schemeClr val="tx2">
+                    <a:lumMod val="60000"/>
+                    <a:lumOff val="40000"/>
+                  </a:schemeClr>
+                </a:solidFill>
+              </a:rPr>
+              <a:t>ReactJS</a:t>
+            </a:r>
+            <a:r>
+              <a:rPr lang="en-US" sz="2800" b="1" dirty="0" smtClean="0">
+                <a:solidFill>
+                  <a:schemeClr val="tx2">
+                    <a:lumMod val="60000"/>
+                    <a:lumOff val="40000"/>
+                  </a:schemeClr>
+                </a:solidFill>
+              </a:rPr>
+              <a:t> based websites</a:t>
+            </a:r>
+            <a:endParaRPr lang="en-US" sz="2800" b="1" dirty="0">
+              <a:solidFill>
+                <a:schemeClr val="tx2">
+                  <a:lumMod val="60000"/>
+                  <a:lumOff val="40000"/>
+                </a:schemeClr>
+              </a:solidFill>
+            </a:endParaRPr>
+          </a:p>
+        </p:txBody>
+      </p:sp>
+      <p:cxnSp>
+        <p:nvCxnSpPr>
+          <p:cNvPr id="8" name="Straight Connector 7"/>
+          <p:cNvCxnSpPr/>
+          <p:nvPr/>
+        </p:nvCxnSpPr>
+        <p:spPr>
+          <a:xfrm>
+            <a:off x="0" y="838200"/>
+            <a:ext cx="9144000" cy="0"/>
+          </a:xfrm>
+          <a:prstGeom prst="line">
+            <a:avLst/>
+          </a:prstGeom>
+        </p:spPr>
         <p:style>
-          <a:lnRef idx="2">
-            <a:schemeClr val="accent1">
-              <a:shade val="50000"/>
-            </a:schemeClr>
+          <a:lnRef idx="1">
+            <a:schemeClr val="accent1"/>
           </a:lnRef>
-          <a:fillRef idx="1">
+          <a:fillRef idx="0">
             <a:schemeClr val="accent1"/>
           </a:fillRef>
           <a:effectRef idx="0">
             <a:schemeClr val="accent1"/>
           </a:effectRef>
           <a:fontRef idx="minor">
-            <a:schemeClr val="lt1"/>
+            <a:schemeClr val="tx1"/>
           </a:fontRef>
         </p:style>
-        <p:txBody>
-          <a:bodyPr rtlCol="0" anchor="ctr"/>
-          <a:lstStyle/>
-          <a:p>
-            <a:pPr algn="ctr"/>
-            <a:r>
-              <a:rPr lang="en-US" dirty="0" err="1" smtClean="0"/>
-              <a:t>JavaScrip</a:t>
-            </a:r>
-            <a:r>
-              <a:rPr lang="en-US" dirty="0" smtClean="0"/>
-              <a:t> Logic</a:t>
-            </a:r>
-            <a:endParaRPr lang="en-US" dirty="0"/>
-          </a:p>
-        </p:txBody>
-      </p:sp>
-      <p:sp>
-        <p:nvSpPr>
-          <p:cNvPr id="22" name="Title 1"/>
-          <p:cNvSpPr txBox="1">
-            <a:spLocks/>
-          </p:cNvSpPr>
+      </p:cxnSp>
+      <p:pic>
+        <p:nvPicPr>
+          <p:cNvPr id="9" name="Picture 3" descr="T:\Commercial\IT\Team SLK\Prince\AnjularJS\react.png"/>
+          <p:cNvPicPr>
+            <a:picLocks noChangeAspect="1" noChangeArrowheads="1"/>
+          </p:cNvPicPr>
           <p:nvPr/>
-        </p:nvSpPr>
-        <p:spPr>
-          <a:xfrm>
-            <a:off x="457200" y="228600"/>
-            <a:ext cx="8229600" cy="639762"/>
+        </p:nvPicPr>
+        <p:blipFill>
+          <a:blip r:embed="rId4" cstate="print"/>
+          <a:srcRect/>
+          <a:stretch>
+            <a:fillRect/>
+          </a:stretch>
+        </p:blipFill>
+        <p:spPr bwMode="auto">
+          <a:xfrm>
+            <a:off x="8534401" y="344715"/>
+            <a:ext cx="609599" cy="493485"/>
           </a:xfrm>
           <a:prstGeom prst="rect">
             <a:avLst/>
           </a:prstGeom>
-        </p:spPr>
-        <p:txBody>
-          <a:bodyPr vert="horz" lIns="91440" tIns="45720" rIns="91440" bIns="45720" rtlCol="0" anchor="ctr">
-            <a:normAutofit fontScale="92500" lnSpcReduction="20000"/>
-          </a:bodyPr>
-          <a:lstStyle/>
-          <a:p>
-            <a:pPr marL="0" marR="0" lvl="0" indent="0" algn="ctr" defTabSz="914400" rtl="0" eaLnBrk="1" fontAlgn="auto" latinLnBrk="0" hangingPunct="1">
-              <a:lnSpc>
-                <a:spcPct val="100000"/>
-              </a:lnSpc>
-              <a:spcBef>
-                <a:spcPct val="0"/>
-              </a:spcBef>
-              <a:spcAft>
-                <a:spcPts val="0"/>
-              </a:spcAft>
-              <a:buClrTx/>
-              <a:buSzTx/>
-              <a:buFontTx/>
-              <a:buNone/>
-              <a:tabLst/>
-              <a:defRPr/>
-            </a:pPr>
-            <a:r>
-              <a:rPr lang="en-US" sz="4400" dirty="0" smtClean="0">
-                <a:latin typeface="+mj-lt"/>
-                <a:ea typeface="+mj-ea"/>
-                <a:cs typeface="+mj-cs"/>
-              </a:rPr>
-              <a:t>Why React is fast</a:t>
-            </a:r>
-            <a:endParaRPr kumimoji="0" lang="en-US" sz="4400" b="0" i="0" u="none" strike="noStrike" kern="1200" cap="none" spc="0" normalizeH="0" baseline="0" noProof="0" dirty="0" smtClean="0">
-              <a:ln>
-                <a:noFill/>
-              </a:ln>
-              <a:solidFill>
-                <a:schemeClr val="tx1"/>
-              </a:solidFill>
-              <a:effectLst/>
-              <a:uLnTx/>
-              <a:uFillTx/>
-              <a:latin typeface="+mj-lt"/>
-              <a:ea typeface="+mj-ea"/>
-              <a:cs typeface="+mj-cs"/>
-            </a:endParaRPr>
-          </a:p>
-        </p:txBody>
-      </p:sp>
-      <p:sp>
-        <p:nvSpPr>
-          <p:cNvPr id="21" name="Rectangle 20"/>
-          <p:cNvSpPr/>
-          <p:nvPr/>
-        </p:nvSpPr>
-        <p:spPr>
-          <a:xfrm>
-            <a:off x="762000" y="2286000"/>
-            <a:ext cx="7391400" cy="1143000"/>
-          </a:xfrm>
-          <a:prstGeom prst="rect">
-            <a:avLst/>
-          </a:prstGeom>
-        </p:spPr>
-        <p:style>
-          <a:lnRef idx="2">
-            <a:schemeClr val="accent1">
-              <a:shade val="50000"/>
-            </a:schemeClr>
-          </a:lnRef>
-          <a:fillRef idx="1">
-            <a:schemeClr val="accent1"/>
-          </a:fillRef>
-          <a:effectRef idx="0">
-            <a:schemeClr val="accent1"/>
-          </a:effectRef>
-          <a:fontRef idx="minor">
-            <a:schemeClr val="lt1"/>
-          </a:fontRef>
-        </p:style>
-        <p:txBody>
-          <a:bodyPr rtlCol="0" anchor="ctr"/>
-          <a:lstStyle/>
-          <a:p>
-            <a:pPr algn="ctr"/>
-            <a:r>
-              <a:rPr lang="en-US" dirty="0" smtClean="0"/>
-              <a:t>React Virtual DOM</a:t>
-            </a:r>
-            <a:endParaRPr lang="en-US" dirty="0"/>
-          </a:p>
-        </p:txBody>
-      </p:sp>
-      <p:sp>
-        <p:nvSpPr>
-          <p:cNvPr id="25" name="Rectangle 24"/>
-          <p:cNvSpPr/>
-          <p:nvPr/>
-        </p:nvSpPr>
-        <p:spPr>
-          <a:xfrm>
-            <a:off x="304800" y="1752600"/>
-            <a:ext cx="1219200" cy="304800"/>
-          </a:xfrm>
-          <a:prstGeom prst="rect">
-            <a:avLst/>
-          </a:prstGeom>
-        </p:spPr>
-        <p:style>
-          <a:lnRef idx="2">
-            <a:schemeClr val="accent1">
-              <a:shade val="50000"/>
-            </a:schemeClr>
-          </a:lnRef>
-          <a:fillRef idx="1">
-            <a:schemeClr val="accent1"/>
-          </a:fillRef>
-          <a:effectRef idx="0">
-            <a:schemeClr val="accent1"/>
-          </a:effectRef>
-          <a:fontRef idx="minor">
-            <a:schemeClr val="lt1"/>
-          </a:fontRef>
-        </p:style>
-        <p:txBody>
-          <a:bodyPr rtlCol="0" anchor="ctr"/>
-          <a:lstStyle/>
-          <a:p>
-            <a:pPr algn="ctr"/>
-            <a:r>
-              <a:rPr lang="en-US" dirty="0" smtClean="0"/>
-              <a:t>render</a:t>
-            </a:r>
-            <a:endParaRPr lang="en-US" dirty="0"/>
-          </a:p>
-        </p:txBody>
-      </p:sp>
-      <p:sp>
-        <p:nvSpPr>
-          <p:cNvPr id="26" name="Down Arrow 25"/>
-          <p:cNvSpPr/>
-          <p:nvPr/>
-        </p:nvSpPr>
-        <p:spPr>
-          <a:xfrm>
-            <a:off x="4038600" y="1600200"/>
-            <a:ext cx="228600" cy="685800"/>
-          </a:xfrm>
-          <a:prstGeom prst="downArrow">
-            <a:avLst/>
-          </a:prstGeom>
-        </p:spPr>
-        <p:style>
-          <a:lnRef idx="2">
-            <a:schemeClr val="accent1">
-              <a:shade val="50000"/>
-            </a:schemeClr>
-          </a:lnRef>
-          <a:fillRef idx="1">
-            <a:schemeClr val="accent1"/>
-          </a:fillRef>
-          <a:effectRef idx="0">
-            <a:schemeClr val="accent1"/>
-          </a:effectRef>
-          <a:fontRef idx="minor">
-            <a:schemeClr val="lt1"/>
-          </a:fontRef>
-        </p:style>
-        <p:txBody>
-          <a:bodyPr rtlCol="0" anchor="ctr"/>
-          <a:lstStyle/>
-          <a:p>
-            <a:pPr algn="ctr"/>
-            <a:endParaRPr lang="en-US"/>
-          </a:p>
-        </p:txBody>
-      </p:sp>
-      <p:sp>
-        <p:nvSpPr>
-          <p:cNvPr id="27" name="Down Arrow 26"/>
-          <p:cNvSpPr/>
-          <p:nvPr/>
-        </p:nvSpPr>
-        <p:spPr>
-          <a:xfrm>
-            <a:off x="4038600" y="3505200"/>
-            <a:ext cx="228600" cy="685800"/>
-          </a:xfrm>
-          <a:prstGeom prst="downArrow">
-            <a:avLst/>
-          </a:prstGeom>
-        </p:spPr>
-        <p:style>
-          <a:lnRef idx="2">
-            <a:schemeClr val="accent1">
-              <a:shade val="50000"/>
-            </a:schemeClr>
-          </a:lnRef>
-          <a:fillRef idx="1">
-            <a:schemeClr val="accent1"/>
-          </a:fillRef>
-          <a:effectRef idx="0">
-            <a:schemeClr val="accent1"/>
-          </a:effectRef>
-          <a:fontRef idx="minor">
-            <a:schemeClr val="lt1"/>
-          </a:fontRef>
-        </p:style>
-        <p:txBody>
-          <a:bodyPr rtlCol="0" anchor="ctr"/>
-          <a:lstStyle/>
-          <a:p>
-            <a:pPr algn="ctr"/>
-            <a:endParaRPr lang="en-US"/>
-          </a:p>
-        </p:txBody>
-      </p:sp>
-      <p:sp>
-        <p:nvSpPr>
-          <p:cNvPr id="30" name="Down Arrow 29"/>
-          <p:cNvSpPr/>
-          <p:nvPr/>
-        </p:nvSpPr>
-        <p:spPr>
-          <a:xfrm rot="10800000">
-            <a:off x="2362200" y="3429000"/>
-            <a:ext cx="381000" cy="838200"/>
-          </a:xfrm>
-          <a:prstGeom prst="downArrow">
-            <a:avLst/>
-          </a:prstGeom>
-        </p:spPr>
-        <p:style>
-          <a:lnRef idx="2">
-            <a:schemeClr val="accent1">
-              <a:shade val="50000"/>
-            </a:schemeClr>
-          </a:lnRef>
-          <a:fillRef idx="1">
-            <a:schemeClr val="accent1"/>
-          </a:fillRef>
-          <a:effectRef idx="0">
-            <a:schemeClr val="accent1"/>
-          </a:effectRef>
-          <a:fontRef idx="minor">
-            <a:schemeClr val="lt1"/>
-          </a:fontRef>
-        </p:style>
-        <p:txBody>
-          <a:bodyPr rtlCol="0" anchor="ctr"/>
-          <a:lstStyle/>
-          <a:p>
-            <a:pPr algn="ctr"/>
-            <a:endParaRPr lang="en-US"/>
-          </a:p>
-        </p:txBody>
-      </p:sp>
-      <p:sp>
-        <p:nvSpPr>
-          <p:cNvPr id="31" name="Down Arrow 30"/>
-          <p:cNvSpPr/>
-          <p:nvPr/>
-        </p:nvSpPr>
-        <p:spPr>
-          <a:xfrm rot="10800000">
-            <a:off x="5410200" y="3429000"/>
-            <a:ext cx="381000" cy="838200"/>
-          </a:xfrm>
-          <a:prstGeom prst="downArrow">
-            <a:avLst/>
-          </a:prstGeom>
-        </p:spPr>
-        <p:style>
-          <a:lnRef idx="2">
-            <a:schemeClr val="accent1">
-              <a:shade val="50000"/>
-            </a:schemeClr>
-          </a:lnRef>
-          <a:fillRef idx="1">
-            <a:schemeClr val="accent1"/>
-          </a:fillRef>
-          <a:effectRef idx="0">
-            <a:schemeClr val="accent1"/>
-          </a:effectRef>
-          <a:fontRef idx="minor">
-            <a:schemeClr val="lt1"/>
-          </a:fontRef>
-        </p:style>
-        <p:txBody>
-          <a:bodyPr rtlCol="0" anchor="ctr"/>
-          <a:lstStyle/>
-          <a:p>
-            <a:pPr algn="ctr"/>
-            <a:endParaRPr lang="en-US"/>
-          </a:p>
-        </p:txBody>
-      </p:sp>
-      <p:sp>
-        <p:nvSpPr>
-          <p:cNvPr id="32" name="Down Arrow 31"/>
-          <p:cNvSpPr/>
-          <p:nvPr/>
-        </p:nvSpPr>
-        <p:spPr>
-          <a:xfrm rot="10800000">
-            <a:off x="7010400" y="1524000"/>
-            <a:ext cx="381000" cy="838200"/>
-          </a:xfrm>
-          <a:prstGeom prst="downArrow">
-            <a:avLst/>
-          </a:prstGeom>
-        </p:spPr>
-        <p:style>
-          <a:lnRef idx="2">
-            <a:schemeClr val="accent1">
-              <a:shade val="50000"/>
-            </a:schemeClr>
-          </a:lnRef>
-          <a:fillRef idx="1">
-            <a:schemeClr val="accent1"/>
-          </a:fillRef>
-          <a:effectRef idx="0">
-            <a:schemeClr val="accent1"/>
-          </a:effectRef>
-          <a:fontRef idx="minor">
-            <a:schemeClr val="lt1"/>
-          </a:fontRef>
-        </p:style>
-        <p:txBody>
-          <a:bodyPr rtlCol="0" anchor="ctr"/>
-          <a:lstStyle/>
-          <a:p>
-            <a:pPr algn="ctr"/>
-            <a:endParaRPr lang="en-US"/>
-          </a:p>
-        </p:txBody>
-      </p:sp>
-      <p:sp>
-        <p:nvSpPr>
-          <p:cNvPr id="34" name="Rectangle 33"/>
-          <p:cNvSpPr/>
-          <p:nvPr/>
-        </p:nvSpPr>
-        <p:spPr>
-          <a:xfrm>
-            <a:off x="228600" y="3657600"/>
-            <a:ext cx="1752600" cy="304800"/>
-          </a:xfrm>
-          <a:prstGeom prst="rect">
-            <a:avLst/>
-          </a:prstGeom>
-        </p:spPr>
-        <p:style>
-          <a:lnRef idx="2">
-            <a:schemeClr val="accent1">
-              <a:shade val="50000"/>
-            </a:schemeClr>
-          </a:lnRef>
-          <a:fillRef idx="1">
-            <a:schemeClr val="accent1"/>
-          </a:fillRef>
-          <a:effectRef idx="0">
-            <a:schemeClr val="accent1"/>
-          </a:effectRef>
-          <a:fontRef idx="minor">
-            <a:schemeClr val="lt1"/>
-          </a:fontRef>
-        </p:style>
-        <p:txBody>
-          <a:bodyPr rtlCol="0" anchor="ctr"/>
-          <a:lstStyle/>
-          <a:p>
-            <a:pPr algn="ctr"/>
-            <a:r>
-              <a:rPr lang="en-US" dirty="0" err="1" smtClean="0"/>
-              <a:t>getDOMNode</a:t>
-            </a:r>
-            <a:r>
-              <a:rPr lang="en-US" dirty="0" smtClean="0"/>
-              <a:t>()</a:t>
-            </a:r>
-            <a:endParaRPr lang="en-US" dirty="0"/>
-          </a:p>
-        </p:txBody>
-      </p:sp>
+          <a:noFill/>
+        </p:spPr>
+      </p:pic>
     </p:spTree>
   </p:cSld>
   <p:clrMapOvr>
@@ -4761,16 +6114,210 @@
           <a:chExt cx="0" cy="0"/>
         </a:xfrm>
       </p:grpSpPr>
+      <p:sp>
+        <p:nvSpPr>
+          <p:cNvPr id="2" name="Title 1"/>
+          <p:cNvSpPr>
+            <a:spLocks noGrp="1"/>
+          </p:cNvSpPr>
+          <p:nvPr>
+            <p:ph type="title"/>
+          </p:nvPr>
+        </p:nvSpPr>
+        <p:spPr>
+          <a:xfrm>
+            <a:off x="76200" y="274638"/>
+            <a:ext cx="9144000" cy="563562"/>
+          </a:xfrm>
+        </p:spPr>
+        <p:txBody>
+          <a:bodyPr>
+            <a:noAutofit/>
+          </a:bodyPr>
+          <a:lstStyle/>
+          <a:p>
+            <a:pPr lvl="1" algn="ctr" rtl="0">
+              <a:spcBef>
+                <a:spcPct val="0"/>
+              </a:spcBef>
+            </a:pPr>
+            <a:r>
+              <a:rPr lang="en-US" dirty="0" smtClean="0">
+                <a:solidFill>
+                  <a:schemeClr val="tx2">
+                    <a:lumMod val="60000"/>
+                    <a:lumOff val="40000"/>
+                  </a:schemeClr>
+                </a:solidFill>
+              </a:rPr>
+              <a:t/>
+            </a:r>
+            <a:br>
+              <a:rPr lang="en-US" dirty="0" smtClean="0">
+                <a:solidFill>
+                  <a:schemeClr val="tx2">
+                    <a:lumMod val="60000"/>
+                    <a:lumOff val="40000"/>
+                  </a:schemeClr>
+                </a:solidFill>
+              </a:rPr>
+            </a:br>
+            <a:r>
+              <a:rPr lang="en-US" sz="2000" kern="1200" dirty="0">
+                <a:solidFill>
+                  <a:schemeClr val="tx2">
+                    <a:lumMod val="60000"/>
+                    <a:lumOff val="40000"/>
+                  </a:schemeClr>
+                </a:solidFill>
+                <a:latin typeface="Times New Roman" pitchFamily="18" charset="0"/>
+                <a:ea typeface="+mj-ea"/>
+                <a:cs typeface="Times New Roman" pitchFamily="18" charset="0"/>
+              </a:rPr>
+              <a:t>Performance</a:t>
+            </a:r>
+            <a:r>
+              <a:rPr lang="en-US" sz="2000" dirty="0" smtClean="0">
+                <a:solidFill>
+                  <a:schemeClr val="tx2">
+                    <a:lumMod val="60000"/>
+                    <a:lumOff val="40000"/>
+                  </a:schemeClr>
+                </a:solidFill>
+              </a:rPr>
+              <a:t> </a:t>
+            </a:r>
+            <a:r>
+              <a:rPr lang="en-US" sz="2000" kern="1200" dirty="0">
+                <a:solidFill>
+                  <a:schemeClr val="tx2">
+                    <a:lumMod val="60000"/>
+                    <a:lumOff val="40000"/>
+                  </a:schemeClr>
+                </a:solidFill>
+                <a:latin typeface="Times New Roman" pitchFamily="18" charset="0"/>
+                <a:ea typeface="+mj-ea"/>
+                <a:cs typeface="Times New Roman" pitchFamily="18" charset="0"/>
+              </a:rPr>
+              <a:t>Comparison</a:t>
+            </a:r>
+            <a:r>
+              <a:rPr lang="en-US" sz="2000" dirty="0" smtClean="0">
+                <a:solidFill>
+                  <a:schemeClr val="tx2">
+                    <a:lumMod val="60000"/>
+                    <a:lumOff val="40000"/>
+                  </a:schemeClr>
+                </a:solidFill>
+              </a:rPr>
+              <a:t> – </a:t>
+            </a:r>
+            <a:r>
+              <a:rPr lang="en-US" sz="2000" kern="1200" dirty="0">
+                <a:solidFill>
+                  <a:schemeClr val="tx2">
+                    <a:lumMod val="60000"/>
+                    <a:lumOff val="40000"/>
+                  </a:schemeClr>
+                </a:solidFill>
+                <a:latin typeface="Times New Roman" pitchFamily="18" charset="0"/>
+                <a:ea typeface="+mj-ea"/>
+                <a:cs typeface="Times New Roman" pitchFamily="18" charset="0"/>
+              </a:rPr>
+              <a:t>Virtual</a:t>
+            </a:r>
+            <a:r>
+              <a:rPr lang="en-US" sz="2000" dirty="0" smtClean="0">
+                <a:solidFill>
+                  <a:schemeClr val="tx2">
+                    <a:lumMod val="60000"/>
+                    <a:lumOff val="40000"/>
+                  </a:schemeClr>
+                </a:solidFill>
+              </a:rPr>
+              <a:t> </a:t>
+            </a:r>
+            <a:r>
+              <a:rPr lang="en-US" sz="2000" kern="1200" dirty="0">
+                <a:solidFill>
+                  <a:schemeClr val="tx2">
+                    <a:lumMod val="60000"/>
+                    <a:lumOff val="40000"/>
+                  </a:schemeClr>
+                </a:solidFill>
+                <a:latin typeface="Times New Roman" pitchFamily="18" charset="0"/>
+                <a:ea typeface="+mj-ea"/>
+                <a:cs typeface="Times New Roman" pitchFamily="18" charset="0"/>
+              </a:rPr>
+              <a:t>DOM 	 </a:t>
+            </a:r>
+            <a:br>
+              <a:rPr lang="en-US" sz="2000" kern="1200" dirty="0">
+                <a:solidFill>
+                  <a:schemeClr val="tx2">
+                    <a:lumMod val="60000"/>
+                    <a:lumOff val="40000"/>
+                  </a:schemeClr>
+                </a:solidFill>
+                <a:latin typeface="Times New Roman" pitchFamily="18" charset="0"/>
+                <a:ea typeface="+mj-ea"/>
+                <a:cs typeface="Times New Roman" pitchFamily="18" charset="0"/>
+              </a:rPr>
+            </a:br>
+            <a:endParaRPr lang="en-US" sz="2000" kern="1200" dirty="0">
+              <a:solidFill>
+                <a:schemeClr val="tx2">
+                  <a:lumMod val="60000"/>
+                  <a:lumOff val="40000"/>
+                </a:schemeClr>
+              </a:solidFill>
+              <a:latin typeface="Times New Roman" pitchFamily="18" charset="0"/>
+              <a:ea typeface="+mj-ea"/>
+              <a:cs typeface="Times New Roman" pitchFamily="18" charset="0"/>
+            </a:endParaRPr>
+          </a:p>
+        </p:txBody>
+      </p:sp>
+      <p:cxnSp>
+        <p:nvCxnSpPr>
+          <p:cNvPr id="5" name="Straight Connector 4"/>
+          <p:cNvCxnSpPr/>
+          <p:nvPr/>
+        </p:nvCxnSpPr>
+        <p:spPr>
+          <a:xfrm>
+            <a:off x="0" y="762000"/>
+            <a:ext cx="9144000" cy="0"/>
+          </a:xfrm>
+          <a:prstGeom prst="line">
+            <a:avLst/>
+          </a:prstGeom>
+        </p:spPr>
+        <p:style>
+          <a:lnRef idx="1">
+            <a:schemeClr val="accent1"/>
+          </a:lnRef>
+          <a:fillRef idx="0">
+            <a:schemeClr val="accent1"/>
+          </a:fillRef>
+          <a:effectRef idx="0">
+            <a:schemeClr val="accent1"/>
+          </a:effectRef>
+          <a:fontRef idx="minor">
+            <a:schemeClr val="tx1"/>
+          </a:fontRef>
+        </p:style>
+      </p:cxnSp>
       <p:pic>
         <p:nvPicPr>
-          <p:cNvPr id="1026" name="Picture 2"/>
+          <p:cNvPr id="2050" name="Picture 2" descr="T:\Commercial\IT\Team SLK\Prince\AnjularJS\Flux Imgs\performance.png"/>
           <p:cNvPicPr>
             <a:picLocks noChangeAspect="1" noChangeArrowheads="1"/>
           </p:cNvPicPr>
           <p:nvPr/>
         </p:nvPicPr>
         <p:blipFill>
-          <a:blip r:embed="rId2"/>
+          <a:blip r:embed="rId2" cstate="print"/>
           <a:srcRect/>
           <a:stretch>
             <a:fillRect/>
@@ -4778,20 +6325,73 @@
         </p:blipFill>
         <p:spPr bwMode="auto">
           <a:xfrm>
-            <a:off x="0" y="533400"/>
-            <a:ext cx="9144000" cy="5962650"/>
+            <a:off x="1695450" y="1809750"/>
+            <a:ext cx="5753100" cy="3238500"/>
           </a:xfrm>
           <a:prstGeom prst="rect">
             <a:avLst/>
           </a:prstGeom>
           <a:noFill/>
-          <a:ln w="9525">
-            <a:noFill/>
-            <a:miter lim="800000"/>
-            <a:headEnd/>
-            <a:tailEnd/>
-          </a:ln>
-          <a:effectLst/>
+        </p:spPr>
+      </p:pic>
+      <p:sp>
+        <p:nvSpPr>
+          <p:cNvPr id="12" name="Rectangle 11"/>
+          <p:cNvSpPr/>
+          <p:nvPr/>
+        </p:nvSpPr>
+        <p:spPr>
+          <a:xfrm>
+            <a:off x="685800" y="6091535"/>
+            <a:ext cx="8077200" cy="461665"/>
+          </a:xfrm>
+          <a:prstGeom prst="rect">
+            <a:avLst/>
+          </a:prstGeom>
+        </p:spPr>
+        <p:txBody>
+          <a:bodyPr wrap="square">
+            <a:spAutoFit/>
+          </a:bodyPr>
+          <a:lstStyle/>
+          <a:p>
+            <a:r>
+              <a:rPr lang="en-US" sz="1200" dirty="0" smtClean="0">
+                <a:hlinkClick r:id="rId3"/>
+              </a:rPr>
+              <a:t>https://auth0.com/blog/2016/01/07/more-benchmarks-virtual-dom-vs-angular-12-vs-mithril-js-vs-the-rest/</a:t>
+            </a:r>
+            <a:endParaRPr lang="en-US" sz="1200" dirty="0" smtClean="0"/>
+          </a:p>
+          <a:p>
+            <a:endParaRPr lang="en-US" sz="1200" dirty="0"/>
+          </a:p>
+        </p:txBody>
+      </p:sp>
+      <p:pic>
+        <p:nvPicPr>
+          <p:cNvPr id="16" name="Picture 3" descr="T:\Commercial\IT\Team SLK\Prince\AnjularJS\react.png"/>
+          <p:cNvPicPr>
+            <a:picLocks noChangeAspect="1" noChangeArrowheads="1"/>
+          </p:cNvPicPr>
+          <p:nvPr/>
+        </p:nvPicPr>
+        <p:blipFill>
+          <a:blip r:embed="rId4" cstate="print"/>
+          <a:srcRect/>
+          <a:stretch>
+            <a:fillRect/>
+          </a:stretch>
+        </p:blipFill>
+        <p:spPr bwMode="auto">
+          <a:xfrm>
+            <a:off x="8534401" y="268515"/>
+            <a:ext cx="609599" cy="493485"/>
+          </a:xfrm>
+          <a:prstGeom prst="rect">
+            <a:avLst/>
+          </a:prstGeom>
+          <a:noFill/>
         </p:spPr>
       </p:pic>
     </p:spTree>
@@ -4799,6 +6399,13 @@
   <p:clrMapOvr>
     <a:masterClrMapping/>
   </p:clrMapOvr>
+  <p:timing>
+    <p:tnLst>
+      <p:par>
+        <p:cTn id="1" dur="indefinite" restart="never" nodeType="tmRoot"/>
+      </p:par>
+    </p:tnLst>
+  </p:timing>
 </p:sld>
 </file>
 
@@ -4819,16 +6426,224 @@
           <a:chExt cx="0" cy="0"/>
         </a:xfrm>
       </p:grpSpPr>
+      <p:sp>
+        <p:nvSpPr>
+          <p:cNvPr id="2" name="Title 1"/>
+          <p:cNvSpPr>
+            <a:spLocks noGrp="1"/>
+          </p:cNvSpPr>
+          <p:nvPr>
+            <p:ph type="title"/>
+          </p:nvPr>
+        </p:nvSpPr>
+        <p:spPr>
+          <a:xfrm>
+            <a:off x="76200" y="350838"/>
+            <a:ext cx="9144000" cy="563562"/>
+          </a:xfrm>
+        </p:spPr>
+        <p:txBody>
+          <a:bodyPr>
+            <a:noAutofit/>
+          </a:bodyPr>
+          <a:lstStyle/>
+          <a:p>
+            <a:pPr lvl="1" algn="ctr" rtl="0">
+              <a:spcBef>
+                <a:spcPct val="0"/>
+              </a:spcBef>
+            </a:pPr>
+            <a:r>
+              <a:rPr lang="en-US" dirty="0" smtClean="0">
+                <a:solidFill>
+                  <a:schemeClr val="tx2">
+                    <a:lumMod val="60000"/>
+                    <a:lumOff val="40000"/>
+                  </a:schemeClr>
+                </a:solidFill>
+              </a:rPr>
+              <a:t/>
+            </a:r>
+            <a:br>
+              <a:rPr lang="en-US" dirty="0" smtClean="0">
+                <a:solidFill>
+                  <a:schemeClr val="tx2">
+                    <a:lumMod val="60000"/>
+                    <a:lumOff val="40000"/>
+                  </a:schemeClr>
+                </a:solidFill>
+              </a:rPr>
+            </a:br>
+            <a:r>
+              <a:rPr lang="en-US" sz="2000" kern="1200" dirty="0">
+                <a:solidFill>
+                  <a:schemeClr val="tx2">
+                    <a:lumMod val="60000"/>
+                    <a:lumOff val="40000"/>
+                  </a:schemeClr>
+                </a:solidFill>
+                <a:latin typeface="Times New Roman" pitchFamily="18" charset="0"/>
+                <a:ea typeface="+mj-ea"/>
+                <a:cs typeface="Times New Roman" pitchFamily="18" charset="0"/>
+              </a:rPr>
+              <a:t>Performance</a:t>
+            </a:r>
+            <a:r>
+              <a:rPr lang="en-US" dirty="0" smtClean="0">
+                <a:solidFill>
+                  <a:schemeClr val="tx2">
+                    <a:lumMod val="60000"/>
+                    <a:lumOff val="40000"/>
+                  </a:schemeClr>
+                </a:solidFill>
+              </a:rPr>
+              <a:t> </a:t>
+            </a:r>
+            <a:r>
+              <a:rPr lang="en-US" sz="2000" kern="1200" dirty="0">
+                <a:solidFill>
+                  <a:schemeClr val="tx2">
+                    <a:lumMod val="60000"/>
+                    <a:lumOff val="40000"/>
+                  </a:schemeClr>
+                </a:solidFill>
+                <a:latin typeface="Times New Roman" pitchFamily="18" charset="0"/>
+                <a:ea typeface="+mj-ea"/>
+                <a:cs typeface="Times New Roman" pitchFamily="18" charset="0"/>
+              </a:rPr>
+              <a:t>Comparison</a:t>
+            </a:r>
+            <a:r>
+              <a:rPr lang="en-US" dirty="0" smtClean="0">
+                <a:solidFill>
+                  <a:schemeClr val="tx2">
+                    <a:lumMod val="60000"/>
+                    <a:lumOff val="40000"/>
+                  </a:schemeClr>
+                </a:solidFill>
+              </a:rPr>
+              <a:t> – </a:t>
+            </a:r>
+            <a:r>
+              <a:rPr lang="en-US" sz="2000" kern="1200" dirty="0">
+                <a:solidFill>
+                  <a:schemeClr val="tx2">
+                    <a:lumMod val="60000"/>
+                    <a:lumOff val="40000"/>
+                  </a:schemeClr>
+                </a:solidFill>
+                <a:latin typeface="Times New Roman" pitchFamily="18" charset="0"/>
+                <a:ea typeface="+mj-ea"/>
+                <a:cs typeface="Times New Roman" pitchFamily="18" charset="0"/>
+              </a:rPr>
+              <a:t>Memory usage</a:t>
+            </a:r>
+            <a:r>
+              <a:rPr lang="en-US" dirty="0" smtClean="0">
+                <a:solidFill>
+                  <a:schemeClr val="tx2">
+                    <a:lumMod val="60000"/>
+                    <a:lumOff val="40000"/>
+                  </a:schemeClr>
+                </a:solidFill>
+              </a:rPr>
+              <a:t> 	 </a:t>
+            </a:r>
+            <a:br>
+              <a:rPr lang="en-US" dirty="0" smtClean="0">
+                <a:solidFill>
+                  <a:schemeClr val="tx2">
+                    <a:lumMod val="60000"/>
+                    <a:lumOff val="40000"/>
+                  </a:schemeClr>
+                </a:solidFill>
+              </a:rPr>
+            </a:br>
+            <a:endParaRPr lang="en-US" dirty="0" smtClean="0">
+              <a:solidFill>
+                <a:schemeClr val="tx2">
+                  <a:lumMod val="60000"/>
+                  <a:lumOff val="40000"/>
+                </a:schemeClr>
+              </a:solidFill>
+            </a:endParaRPr>
+          </a:p>
+        </p:txBody>
+      </p:sp>
+      <p:cxnSp>
+        <p:nvCxnSpPr>
+          <p:cNvPr id="5" name="Straight Connector 4"/>
+          <p:cNvCxnSpPr/>
+          <p:nvPr/>
+        </p:nvCxnSpPr>
+        <p:spPr>
+          <a:xfrm>
+            <a:off x="0" y="762000"/>
+            <a:ext cx="9144000" cy="0"/>
+          </a:xfrm>
+          <a:prstGeom prst="line">
+            <a:avLst/>
+          </a:prstGeom>
+        </p:spPr>
+        <p:style>
+          <a:lnRef idx="1">
+            <a:schemeClr val="accent1"/>
+          </a:lnRef>
+          <a:fillRef idx="0">
+            <a:schemeClr val="accent1"/>
+          </a:fillRef>
+          <a:effectRef idx="0">
+            <a:schemeClr val="accent1"/>
+          </a:effectRef>
+          <a:fontRef idx="minor">
+            <a:schemeClr val="tx1"/>
+          </a:fontRef>
+        </p:style>
+      </p:cxnSp>
+      <p:sp>
+        <p:nvSpPr>
+          <p:cNvPr id="12" name="Rectangle 11"/>
+          <p:cNvSpPr/>
+          <p:nvPr/>
+        </p:nvSpPr>
+        <p:spPr>
+          <a:xfrm>
+            <a:off x="685800" y="6091535"/>
+            <a:ext cx="8077200" cy="461665"/>
+          </a:xfrm>
+          <a:prstGeom prst="rect">
+            <a:avLst/>
+          </a:prstGeom>
+        </p:spPr>
+        <p:txBody>
+          <a:bodyPr wrap="square">
+            <a:spAutoFit/>
+          </a:bodyPr>
+          <a:lstStyle/>
+          <a:p>
+            <a:r>
+              <a:rPr lang="en-US" sz="1200" dirty="0" smtClean="0">
+                <a:hlinkClick r:id="rId2"/>
+              </a:rPr>
+              <a:t>https://auth0.com/blog/2016/01/07/more-benchmarks-virtual-dom-vs-angular-12-vs-mithril-js-vs-the-rest/</a:t>
+            </a:r>
+            <a:endParaRPr lang="en-US" sz="1200" dirty="0" smtClean="0"/>
+          </a:p>
+          <a:p>
+            <a:endParaRPr lang="en-US" sz="1200" dirty="0"/>
+          </a:p>
+        </p:txBody>
+      </p:sp>
       <p:pic>
         <p:nvPicPr>
-          <p:cNvPr id="2050" name="Picture 2"/>
+          <p:cNvPr id="3074" name="Picture 2" descr="T:\Commercial\IT\Team SLK\Prince\AnjularJS\Flux Imgs\Memory.png"/>
           <p:cNvPicPr>
             <a:picLocks noChangeAspect="1" noChangeArrowheads="1"/>
           </p:cNvPicPr>
           <p:nvPr/>
         </p:nvPicPr>
         <p:blipFill>
-          <a:blip r:embed="rId2"/>
+          <a:blip r:embed="rId3" cstate="print"/>
           <a:srcRect/>
           <a:stretch>
             <a:fillRect/>
@@ -4836,20 +6651,39 @@
         </p:blipFill>
         <p:spPr bwMode="auto">
           <a:xfrm>
-            <a:off x="0" y="1462088"/>
-            <a:ext cx="9144000" cy="3933825"/>
+            <a:off x="1695450" y="1809750"/>
+            <a:ext cx="5753100" cy="3238500"/>
           </a:xfrm>
           <a:prstGeom prst="rect">
             <a:avLst/>
           </a:prstGeom>
           <a:noFill/>
-          <a:ln w="9525">
-            <a:noFill/>
-            <a:miter lim="800000"/>
-            <a:headEnd/>
-            <a:tailEnd/>
-          </a:ln>
-          <a:effectLst/>
+        </p:spPr>
+      </p:pic>
+      <p:pic>
+        <p:nvPicPr>
+          <p:cNvPr id="13" name="Picture 3" descr="T:\Commercial\IT\Team SLK\Prince\AnjularJS\react.png"/>
+          <p:cNvPicPr>
+            <a:picLocks noChangeAspect="1" noChangeArrowheads="1"/>
+          </p:cNvPicPr>
+          <p:nvPr/>
+        </p:nvPicPr>
+        <p:blipFill>
+          <a:blip r:embed="rId4" cstate="print"/>
+          <a:srcRect/>
+          <a:stretch>
+            <a:fillRect/>
+          </a:stretch>
+        </p:blipFill>
+        <p:spPr bwMode="auto">
+          <a:xfrm>
+            <a:off x="8534401" y="268515"/>
+            <a:ext cx="609599" cy="493485"/>
+          </a:xfrm>
+          <a:prstGeom prst="rect">
+            <a:avLst/>
+          </a:prstGeom>
+          <a:noFill/>
         </p:spPr>
       </p:pic>
     </p:spTree>
@@ -4857,6 +6691,13 @@
   <p:clrMapOvr>
     <a:masterClrMapping/>
   </p:clrMapOvr>
+  <p:timing>
+    <p:tnLst>
+      <p:par>
+        <p:cTn id="1" dur="indefinite" restart="never" nodeType="tmRoot"/>
+      </p:par>
+    </p:tnLst>
+  </p:timing>
 </p:sld>
 </file>
 
@@ -4877,16 +6718,160 @@
           <a:chExt cx="0" cy="0"/>
         </a:xfrm>
       </p:grpSpPr>
+      <p:sp>
+        <p:nvSpPr>
+          <p:cNvPr id="2" name="Title 1"/>
+          <p:cNvSpPr>
+            <a:spLocks noGrp="1"/>
+          </p:cNvSpPr>
+          <p:nvPr>
+            <p:ph type="title"/>
+          </p:nvPr>
+        </p:nvSpPr>
+        <p:spPr>
+          <a:xfrm>
+            <a:off x="533400" y="350838"/>
+            <a:ext cx="9144000" cy="563562"/>
+          </a:xfrm>
+        </p:spPr>
+        <p:txBody>
+          <a:bodyPr>
+            <a:noAutofit/>
+          </a:bodyPr>
+          <a:lstStyle/>
+          <a:p>
+            <a:pPr lvl="1" algn="ctr" rtl="0">
+              <a:spcBef>
+                <a:spcPct val="0"/>
+              </a:spcBef>
+            </a:pPr>
+            <a:r>
+              <a:rPr lang="en-US" dirty="0" smtClean="0">
+                <a:solidFill>
+                  <a:schemeClr val="tx2">
+                    <a:lumMod val="60000"/>
+                    <a:lumOff val="40000"/>
+                  </a:schemeClr>
+                </a:solidFill>
+              </a:rPr>
+              <a:t/>
+            </a:r>
+            <a:br>
+              <a:rPr lang="en-US" dirty="0" smtClean="0">
+                <a:solidFill>
+                  <a:schemeClr val="tx2">
+                    <a:lumMod val="60000"/>
+                    <a:lumOff val="40000"/>
+                  </a:schemeClr>
+                </a:solidFill>
+              </a:rPr>
+            </a:br>
+            <a:r>
+              <a:rPr lang="en-US" dirty="0" smtClean="0">
+                <a:solidFill>
+                  <a:schemeClr val="tx2">
+                    <a:lumMod val="60000"/>
+                    <a:lumOff val="40000"/>
+                  </a:schemeClr>
+                </a:solidFill>
+              </a:rPr>
+              <a:t>Performance Comparison – JavaScript Execution Time	 </a:t>
+            </a:r>
+            <a:br>
+              <a:rPr lang="en-US" dirty="0" smtClean="0">
+                <a:solidFill>
+                  <a:schemeClr val="tx2">
+                    <a:lumMod val="60000"/>
+                    <a:lumOff val="40000"/>
+                  </a:schemeClr>
+                </a:solidFill>
+              </a:rPr>
+            </a:br>
+            <a:endParaRPr lang="en-US" dirty="0" smtClean="0">
+              <a:solidFill>
+                <a:schemeClr val="tx2">
+                  <a:lumMod val="60000"/>
+                  <a:lumOff val="40000"/>
+                </a:schemeClr>
+              </a:solidFill>
+            </a:endParaRPr>
+          </a:p>
+        </p:txBody>
+      </p:sp>
+      <p:cxnSp>
+        <p:nvCxnSpPr>
+          <p:cNvPr id="5" name="Straight Connector 4"/>
+          <p:cNvCxnSpPr/>
+          <p:nvPr/>
+        </p:nvCxnSpPr>
+        <p:spPr>
+          <a:xfrm>
+            <a:off x="0" y="762000"/>
+            <a:ext cx="9144000" cy="0"/>
+          </a:xfrm>
+          <a:prstGeom prst="line">
+            <a:avLst/>
+          </a:prstGeom>
+        </p:spPr>
+        <p:style>
+          <a:lnRef idx="1">
+            <a:schemeClr val="accent1"/>
+          </a:lnRef>
+          <a:fillRef idx="0">
+            <a:schemeClr val="accent1"/>
+          </a:fillRef>
+          <a:effectRef idx="0">
+            <a:schemeClr val="accent1"/>
+          </a:effectRef>
+          <a:fontRef idx="minor">
+            <a:schemeClr val="tx1"/>
+          </a:fontRef>
+        </p:style>
+      </p:cxnSp>
+      <p:sp>
+        <p:nvSpPr>
+          <p:cNvPr id="12" name="Rectangle 11"/>
+          <p:cNvSpPr/>
+          <p:nvPr/>
+        </p:nvSpPr>
+        <p:spPr>
+          <a:xfrm>
+            <a:off x="685800" y="6091535"/>
+            <a:ext cx="8077200" cy="461665"/>
+          </a:xfrm>
+          <a:prstGeom prst="rect">
+            <a:avLst/>
+          </a:prstGeom>
+        </p:spPr>
+        <p:txBody>
+          <a:bodyPr wrap="square">
+            <a:spAutoFit/>
+          </a:bodyPr>
+          <a:lstStyle/>
+          <a:p>
+            <a:r>
+              <a:rPr lang="en-US" sz="1200" dirty="0" smtClean="0">
+                <a:hlinkClick r:id="rId2"/>
+              </a:rPr>
+              <a:t>https://auth0.com/blog/2016/01/07/more-benchmarks-virtual-dom-vs-angular-12-vs-mithril-js-vs-the-rest/</a:t>
+            </a:r>
+            <a:endParaRPr lang="en-US" sz="1200" dirty="0" smtClean="0"/>
+          </a:p>
+          <a:p>
+            <a:endParaRPr lang="en-US" sz="1200" dirty="0"/>
+          </a:p>
+        </p:txBody>
+      </p:sp>
       <p:pic>
         <p:nvPicPr>
-          <p:cNvPr id="3074" name="Picture 2"/>
+          <p:cNvPr id="4098" name="Picture 2" descr="T:\Commercial\IT\Team SLK\Prince\AnjularJS\Flux Imgs\Javascript.png"/>
           <p:cNvPicPr>
             <a:picLocks noChangeAspect="1" noChangeArrowheads="1"/>
           </p:cNvPicPr>
           <p:nvPr/>
         </p:nvPicPr>
         <p:blipFill>
-          <a:blip r:embed="rId2"/>
+          <a:blip r:embed="rId3" cstate="print"/>
           <a:srcRect/>
           <a:stretch>
             <a:fillRect/>
@@ -4894,20 +6879,39 @@
         </p:blipFill>
         <p:spPr bwMode="auto">
           <a:xfrm>
-            <a:off x="0" y="1447800"/>
-            <a:ext cx="8991600" cy="3962400"/>
+            <a:off x="1695450" y="1809750"/>
+            <a:ext cx="5753100" cy="3238500"/>
           </a:xfrm>
           <a:prstGeom prst="rect">
             <a:avLst/>
           </a:prstGeom>
           <a:noFill/>
-          <a:ln w="9525">
-            <a:noFill/>
-            <a:miter lim="800000"/>
-            <a:headEnd/>
-            <a:tailEnd/>
-          </a:ln>
-          <a:effectLst/>
+        </p:spPr>
+      </p:pic>
+      <p:pic>
+        <p:nvPicPr>
+          <p:cNvPr id="10" name="Picture 3" descr="T:\Commercial\IT\Team SLK\Prince\AnjularJS\react.png"/>
+          <p:cNvPicPr>
+            <a:picLocks noChangeAspect="1" noChangeArrowheads="1"/>
+          </p:cNvPicPr>
+          <p:nvPr/>
+        </p:nvPicPr>
+        <p:blipFill>
+          <a:blip r:embed="rId4" cstate="print"/>
+          <a:srcRect/>
+          <a:stretch>
+            <a:fillRect/>
+          </a:stretch>
+        </p:blipFill>
+        <p:spPr bwMode="auto">
+          <a:xfrm>
+            <a:off x="8534401" y="268515"/>
+            <a:ext cx="609599" cy="493485"/>
+          </a:xfrm>
+          <a:prstGeom prst="rect">
+            <a:avLst/>
+          </a:prstGeom>
+          <a:noFill/>
         </p:spPr>
       </p:pic>
     </p:spTree>
@@ -4915,6 +6919,13 @@
   <p:clrMapOvr>
     <a:masterClrMapping/>
   </p:clrMapOvr>
+  <p:timing>
+    <p:tnLst>
+      <p:par>
+        <p:cTn id="1" dur="indefinite" restart="never" nodeType="tmRoot"/>
+      </p:par>
+    </p:tnLst>
+  </p:timing>
 </p:sld>
 </file>
 
